--- a/docs/apresenta��o/apresenta��o.pptx
+++ b/docs/apresenta��o/apresenta��o.pptx
@@ -220,7 +220,7 @@
             <a:fld id="{C44398F9-65CB-4E94-AABE-75C14B840AE9}" type="datetimeFigureOut">
               <a:rPr lang="pt-PT" smtClean="0"/>
               <a:pPr/>
-              <a:t>27-09-2011</a:t>
+              <a:t>28-09-2011</a:t>
             </a:fld>
             <a:endParaRPr lang="pt-PT"/>
           </a:p>
@@ -568,6 +568,804 @@
 </p:notes>
 </file>
 
+<file path=ppt/notesSlides/notesSlide10.xml><?xml version="1.0" encoding="utf-8"?>
+<p:notes xmlns:a="http://schemas.openxmlformats.org/drawingml/2006/main" xmlns:r="http://schemas.openxmlformats.org/officeDocument/2006/relationships" xmlns:p="http://schemas.openxmlformats.org/presentationml/2006/main">
+  <p:cSld>
+    <p:spTree>
+      <p:nvGrpSpPr>
+        <p:cNvPr id="1" name=""/>
+        <p:cNvGrpSpPr/>
+        <p:nvPr/>
+      </p:nvGrpSpPr>
+      <p:grpSpPr>
+        <a:xfrm>
+          <a:off x="0" y="0"/>
+          <a:ext cx="0" cy="0"/>
+          <a:chOff x="0" y="0"/>
+          <a:chExt cx="0" cy="0"/>
+        </a:xfrm>
+      </p:grpSpPr>
+      <p:sp>
+        <p:nvSpPr>
+          <p:cNvPr id="2" name="Marcador de Posição da Imagem do Diapositivo 1"/>
+          <p:cNvSpPr>
+            <a:spLocks noGrp="1" noRot="1" noChangeAspect="1"/>
+          </p:cNvSpPr>
+          <p:nvPr>
+            <p:ph type="sldImg"/>
+          </p:nvPr>
+        </p:nvSpPr>
+        <p:spPr/>
+      </p:sp>
+      <p:sp>
+        <p:nvSpPr>
+          <p:cNvPr id="3" name="Marcador de Posição de Notas 2"/>
+          <p:cNvSpPr>
+            <a:spLocks noGrp="1"/>
+          </p:cNvSpPr>
+          <p:nvPr>
+            <p:ph type="body" idx="1"/>
+          </p:nvPr>
+        </p:nvSpPr>
+        <p:spPr/>
+        <p:txBody>
+          <a:bodyPr>
+            <a:normAutofit/>
+          </a:bodyPr>
+          <a:lstStyle/>
+          <a:p>
+            <a:r>
+              <a:rPr lang="pt-PT" dirty="0" smtClean="0"/>
+              <a:t>Explicar o teste</a:t>
+            </a:r>
+          </a:p>
+          <a:p>
+            <a:r>
+              <a:rPr lang="pt-PT" dirty="0" smtClean="0"/>
+              <a:t>Explicar o </a:t>
+            </a:r>
+            <a:r>
+              <a:rPr lang="pt-PT" dirty="0" err="1" smtClean="0"/>
+              <a:t>threshold</a:t>
+            </a:r>
+            <a:endParaRPr lang="pt-PT" dirty="0" smtClean="0"/>
+          </a:p>
+          <a:p>
+            <a:r>
+              <a:rPr lang="pt-PT" dirty="0" smtClean="0"/>
+              <a:t>Dizer que</a:t>
+            </a:r>
+            <a:r>
+              <a:rPr lang="pt-PT" baseline="0" dirty="0" smtClean="0"/>
+              <a:t> os resultados são iguais </a:t>
+            </a:r>
+            <a:r>
+              <a:rPr lang="pt-PT" baseline="0" dirty="0" err="1" smtClean="0"/>
+              <a:t>pa</a:t>
+            </a:r>
+            <a:r>
+              <a:rPr lang="pt-PT" baseline="0" dirty="0" smtClean="0"/>
+              <a:t> </a:t>
+            </a:r>
+            <a:r>
+              <a:rPr lang="pt-PT" baseline="0" dirty="0" smtClean="0"/>
+              <a:t>ambos, PC e ARM</a:t>
+            </a:r>
+            <a:endParaRPr lang="pt-PT" dirty="0"/>
+          </a:p>
+        </p:txBody>
+      </p:sp>
+      <p:sp>
+        <p:nvSpPr>
+          <p:cNvPr id="4" name="Marcador de Posição do Número do Diapositivo 3"/>
+          <p:cNvSpPr>
+            <a:spLocks noGrp="1"/>
+          </p:cNvSpPr>
+          <p:nvPr>
+            <p:ph type="sldNum" sz="quarter" idx="10"/>
+          </p:nvPr>
+        </p:nvSpPr>
+        <p:spPr/>
+        <p:txBody>
+          <a:bodyPr/>
+          <a:lstStyle/>
+          <a:p>
+            <a:fld id="{6839BC13-A530-46E7-A1C3-5A5A03EA1F45}" type="slidenum">
+              <a:rPr lang="pt-PT" smtClean="0"/>
+              <a:pPr/>
+              <a:t>20</a:t>
+            </a:fld>
+            <a:endParaRPr lang="pt-PT"/>
+          </a:p>
+        </p:txBody>
+      </p:sp>
+    </p:spTree>
+  </p:cSld>
+  <p:clrMapOvr>
+    <a:masterClrMapping/>
+  </p:clrMapOvr>
+</p:notes>
+</file>
+
+<file path=ppt/notesSlides/notesSlide11.xml><?xml version="1.0" encoding="utf-8"?>
+<p:notes xmlns:a="http://schemas.openxmlformats.org/drawingml/2006/main" xmlns:r="http://schemas.openxmlformats.org/officeDocument/2006/relationships" xmlns:p="http://schemas.openxmlformats.org/presentationml/2006/main">
+  <p:cSld>
+    <p:spTree>
+      <p:nvGrpSpPr>
+        <p:cNvPr id="1" name=""/>
+        <p:cNvGrpSpPr/>
+        <p:nvPr/>
+      </p:nvGrpSpPr>
+      <p:grpSpPr>
+        <a:xfrm>
+          <a:off x="0" y="0"/>
+          <a:ext cx="0" cy="0"/>
+          <a:chOff x="0" y="0"/>
+          <a:chExt cx="0" cy="0"/>
+        </a:xfrm>
+      </p:grpSpPr>
+      <p:sp>
+        <p:nvSpPr>
+          <p:cNvPr id="2" name="Marcador de Posição da Imagem do Diapositivo 1"/>
+          <p:cNvSpPr>
+            <a:spLocks noGrp="1" noRot="1" noChangeAspect="1"/>
+          </p:cNvSpPr>
+          <p:nvPr>
+            <p:ph type="sldImg"/>
+          </p:nvPr>
+        </p:nvSpPr>
+        <p:spPr/>
+      </p:sp>
+      <p:sp>
+        <p:nvSpPr>
+          <p:cNvPr id="3" name="Marcador de Posição de Notas 2"/>
+          <p:cNvSpPr>
+            <a:spLocks noGrp="1"/>
+          </p:cNvSpPr>
+          <p:nvPr>
+            <p:ph type="body" idx="1"/>
+          </p:nvPr>
+        </p:nvSpPr>
+        <p:spPr/>
+        <p:txBody>
+          <a:bodyPr>
+            <a:normAutofit/>
+          </a:bodyPr>
+          <a:lstStyle/>
+          <a:p>
+            <a:r>
+              <a:rPr lang="pt-PT" dirty="0" smtClean="0"/>
+              <a:t>Explicar</a:t>
+            </a:r>
+            <a:r>
+              <a:rPr lang="pt-PT" baseline="0" dirty="0" smtClean="0"/>
+              <a:t> </a:t>
+            </a:r>
+            <a:r>
+              <a:rPr lang="pt-PT" baseline="0" dirty="0" err="1" smtClean="0"/>
+              <a:t>pk</a:t>
+            </a:r>
+            <a:r>
+              <a:rPr lang="pt-PT" baseline="0" dirty="0" smtClean="0"/>
+              <a:t> é que a % é maior</a:t>
+            </a:r>
+            <a:endParaRPr lang="pt-PT" dirty="0"/>
+          </a:p>
+        </p:txBody>
+      </p:sp>
+      <p:sp>
+        <p:nvSpPr>
+          <p:cNvPr id="4" name="Marcador de Posição do Número do Diapositivo 3"/>
+          <p:cNvSpPr>
+            <a:spLocks noGrp="1"/>
+          </p:cNvSpPr>
+          <p:nvPr>
+            <p:ph type="sldNum" sz="quarter" idx="10"/>
+          </p:nvPr>
+        </p:nvSpPr>
+        <p:spPr/>
+        <p:txBody>
+          <a:bodyPr/>
+          <a:lstStyle/>
+          <a:p>
+            <a:fld id="{6839BC13-A530-46E7-A1C3-5A5A03EA1F45}" type="slidenum">
+              <a:rPr lang="pt-PT" smtClean="0"/>
+              <a:pPr/>
+              <a:t>21</a:t>
+            </a:fld>
+            <a:endParaRPr lang="pt-PT"/>
+          </a:p>
+        </p:txBody>
+      </p:sp>
+    </p:spTree>
+  </p:cSld>
+  <p:clrMapOvr>
+    <a:masterClrMapping/>
+  </p:clrMapOvr>
+</p:notes>
+</file>
+
+<file path=ppt/notesSlides/notesSlide12.xml><?xml version="1.0" encoding="utf-8"?>
+<p:notes xmlns:a="http://schemas.openxmlformats.org/drawingml/2006/main" xmlns:r="http://schemas.openxmlformats.org/officeDocument/2006/relationships" xmlns:p="http://schemas.openxmlformats.org/presentationml/2006/main">
+  <p:cSld>
+    <p:spTree>
+      <p:nvGrpSpPr>
+        <p:cNvPr id="1" name=""/>
+        <p:cNvGrpSpPr/>
+        <p:nvPr/>
+      </p:nvGrpSpPr>
+      <p:grpSpPr>
+        <a:xfrm>
+          <a:off x="0" y="0"/>
+          <a:ext cx="0" cy="0"/>
+          <a:chOff x="0" y="0"/>
+          <a:chExt cx="0" cy="0"/>
+        </a:xfrm>
+      </p:grpSpPr>
+      <p:sp>
+        <p:nvSpPr>
+          <p:cNvPr id="2" name="Marcador de Posição da Imagem do Diapositivo 1"/>
+          <p:cNvSpPr>
+            <a:spLocks noGrp="1" noRot="1" noChangeAspect="1"/>
+          </p:cNvSpPr>
+          <p:nvPr>
+            <p:ph type="sldImg"/>
+          </p:nvPr>
+        </p:nvSpPr>
+        <p:spPr/>
+      </p:sp>
+      <p:sp>
+        <p:nvSpPr>
+          <p:cNvPr id="3" name="Marcador de Posição de Notas 2"/>
+          <p:cNvSpPr>
+            <a:spLocks noGrp="1"/>
+          </p:cNvSpPr>
+          <p:nvPr>
+            <p:ph type="body" idx="1"/>
+          </p:nvPr>
+        </p:nvSpPr>
+        <p:spPr/>
+        <p:txBody>
+          <a:bodyPr>
+            <a:normAutofit/>
+          </a:bodyPr>
+          <a:lstStyle/>
+          <a:p>
+            <a:r>
+              <a:rPr lang="pt-PT" dirty="0" smtClean="0"/>
+              <a:t>Explicar o </a:t>
+            </a:r>
+            <a:r>
+              <a:rPr lang="pt-PT" dirty="0" smtClean="0"/>
+              <a:t>teste</a:t>
+            </a:r>
+          </a:p>
+          <a:p>
+            <a:endParaRPr lang="pt-PT" dirty="0" smtClean="0"/>
+          </a:p>
+          <a:p>
+            <a:r>
+              <a:rPr lang="pt-PT" dirty="0" smtClean="0"/>
+              <a:t>Para realizar</a:t>
+            </a:r>
+            <a:r>
+              <a:rPr lang="pt-PT" baseline="0" dirty="0" smtClean="0"/>
+              <a:t> este teste foi produzido um sinal com as frequências referidas na coluna, de seguida foi dado à infra-estrutura e medido o tempo entre a injecção do sinal e a resposta.</a:t>
+            </a:r>
+          </a:p>
+          <a:p>
+            <a:endParaRPr lang="pt-PT" baseline="0" dirty="0" smtClean="0"/>
+          </a:p>
+          <a:p>
+            <a:r>
+              <a:rPr lang="pt-PT" baseline="0" dirty="0" smtClean="0"/>
+              <a:t>Foram ainda realizados testes a múltiplas frequências, cujo resultado mostrou que o tempo para detectar </a:t>
+            </a:r>
+            <a:r>
+              <a:rPr lang="pt-PT" baseline="0" dirty="0" err="1" smtClean="0"/>
+              <a:t>multiplas</a:t>
+            </a:r>
+            <a:r>
+              <a:rPr lang="pt-PT" baseline="0" dirty="0" smtClean="0"/>
+              <a:t> </a:t>
+            </a:r>
+            <a:r>
+              <a:rPr lang="pt-PT" baseline="0" dirty="0" err="1" smtClean="0"/>
+              <a:t>frequencias</a:t>
+            </a:r>
+            <a:r>
+              <a:rPr lang="pt-PT" baseline="0" dirty="0" smtClean="0"/>
+              <a:t> era praticamente o mesmo que o maior tempo da </a:t>
+            </a:r>
+            <a:r>
+              <a:rPr lang="pt-PT" baseline="0" dirty="0" err="1" smtClean="0"/>
+              <a:t>frequencia</a:t>
+            </a:r>
+            <a:r>
+              <a:rPr lang="pt-PT" baseline="0" dirty="0" smtClean="0"/>
+              <a:t> presente no sinal, dar exemplo.</a:t>
+            </a:r>
+            <a:endParaRPr lang="pt-PT" dirty="0"/>
+          </a:p>
+        </p:txBody>
+      </p:sp>
+      <p:sp>
+        <p:nvSpPr>
+          <p:cNvPr id="4" name="Marcador de Posição do Número do Diapositivo 3"/>
+          <p:cNvSpPr>
+            <a:spLocks noGrp="1"/>
+          </p:cNvSpPr>
+          <p:nvPr>
+            <p:ph type="sldNum" sz="quarter" idx="10"/>
+          </p:nvPr>
+        </p:nvSpPr>
+        <p:spPr/>
+        <p:txBody>
+          <a:bodyPr/>
+          <a:lstStyle/>
+          <a:p>
+            <a:fld id="{6839BC13-A530-46E7-A1C3-5A5A03EA1F45}" type="slidenum">
+              <a:rPr lang="pt-PT" smtClean="0"/>
+              <a:pPr/>
+              <a:t>22</a:t>
+            </a:fld>
+            <a:endParaRPr lang="pt-PT"/>
+          </a:p>
+        </p:txBody>
+      </p:sp>
+    </p:spTree>
+  </p:cSld>
+  <p:clrMapOvr>
+    <a:masterClrMapping/>
+  </p:clrMapOvr>
+</p:notes>
+</file>
+
+<file path=ppt/notesSlides/notesSlide13.xml><?xml version="1.0" encoding="utf-8"?>
+<p:notes xmlns:a="http://schemas.openxmlformats.org/drawingml/2006/main" xmlns:r="http://schemas.openxmlformats.org/officeDocument/2006/relationships" xmlns:p="http://schemas.openxmlformats.org/presentationml/2006/main">
+  <p:cSld>
+    <p:spTree>
+      <p:nvGrpSpPr>
+        <p:cNvPr id="1" name=""/>
+        <p:cNvGrpSpPr/>
+        <p:nvPr/>
+      </p:nvGrpSpPr>
+      <p:grpSpPr>
+        <a:xfrm>
+          <a:off x="0" y="0"/>
+          <a:ext cx="0" cy="0"/>
+          <a:chOff x="0" y="0"/>
+          <a:chExt cx="0" cy="0"/>
+        </a:xfrm>
+      </p:grpSpPr>
+      <p:sp>
+        <p:nvSpPr>
+          <p:cNvPr id="2" name="Marcador de Posição da Imagem do Diapositivo 1"/>
+          <p:cNvSpPr>
+            <a:spLocks noGrp="1" noRot="1" noChangeAspect="1"/>
+          </p:cNvSpPr>
+          <p:nvPr>
+            <p:ph type="sldImg"/>
+          </p:nvPr>
+        </p:nvSpPr>
+        <p:spPr/>
+      </p:sp>
+      <p:sp>
+        <p:nvSpPr>
+          <p:cNvPr id="3" name="Marcador de Posição de Notas 2"/>
+          <p:cNvSpPr>
+            <a:spLocks noGrp="1"/>
+          </p:cNvSpPr>
+          <p:nvPr>
+            <p:ph type="body" idx="1"/>
+          </p:nvPr>
+        </p:nvSpPr>
+        <p:spPr/>
+        <p:txBody>
+          <a:bodyPr>
+            <a:normAutofit/>
+          </a:bodyPr>
+          <a:lstStyle/>
+          <a:p>
+            <a:r>
+              <a:rPr lang="pt-PT" dirty="0" smtClean="0"/>
+              <a:t>A infra-estrutura</a:t>
+            </a:r>
+            <a:r>
+              <a:rPr lang="pt-PT" baseline="0" dirty="0" smtClean="0"/>
+              <a:t> corre sobre duas arquitecturas diferentes PC e ARM, sobre dois sistemas operativos Windows e Mos, mas é facilmente </a:t>
+            </a:r>
+            <a:r>
+              <a:rPr lang="pt-PT" baseline="0" dirty="0" err="1" smtClean="0"/>
+              <a:t>extensivel</a:t>
+            </a:r>
+            <a:r>
+              <a:rPr lang="pt-PT" baseline="0" dirty="0" smtClean="0"/>
+              <a:t> a outras arquitecturas e outros sistemas operativos.</a:t>
+            </a:r>
+            <a:endParaRPr lang="pt-PT" dirty="0"/>
+          </a:p>
+        </p:txBody>
+      </p:sp>
+      <p:sp>
+        <p:nvSpPr>
+          <p:cNvPr id="4" name="Marcador de Posição do Número do Diapositivo 3"/>
+          <p:cNvSpPr>
+            <a:spLocks noGrp="1"/>
+          </p:cNvSpPr>
+          <p:nvPr>
+            <p:ph type="sldNum" sz="quarter" idx="10"/>
+          </p:nvPr>
+        </p:nvSpPr>
+        <p:spPr/>
+        <p:txBody>
+          <a:bodyPr/>
+          <a:lstStyle/>
+          <a:p>
+            <a:fld id="{6839BC13-A530-46E7-A1C3-5A5A03EA1F45}" type="slidenum">
+              <a:rPr lang="pt-PT" smtClean="0"/>
+              <a:pPr/>
+              <a:t>23</a:t>
+            </a:fld>
+            <a:endParaRPr lang="pt-PT"/>
+          </a:p>
+        </p:txBody>
+      </p:sp>
+    </p:spTree>
+  </p:cSld>
+  <p:clrMapOvr>
+    <a:masterClrMapping/>
+  </p:clrMapOvr>
+</p:notes>
+</file>
+
+<file path=ppt/notesSlides/notesSlide14.xml><?xml version="1.0" encoding="utf-8"?>
+<p:notes xmlns:a="http://schemas.openxmlformats.org/drawingml/2006/main" xmlns:r="http://schemas.openxmlformats.org/officeDocument/2006/relationships" xmlns:p="http://schemas.openxmlformats.org/presentationml/2006/main">
+  <p:cSld>
+    <p:spTree>
+      <p:nvGrpSpPr>
+        <p:cNvPr id="1" name=""/>
+        <p:cNvGrpSpPr/>
+        <p:nvPr/>
+      </p:nvGrpSpPr>
+      <p:grpSpPr>
+        <a:xfrm>
+          <a:off x="0" y="0"/>
+          <a:ext cx="0" cy="0"/>
+          <a:chOff x="0" y="0"/>
+          <a:chExt cx="0" cy="0"/>
+        </a:xfrm>
+      </p:grpSpPr>
+      <p:sp>
+        <p:nvSpPr>
+          <p:cNvPr id="2" name="Marcador de Posição da Imagem do Diapositivo 1"/>
+          <p:cNvSpPr>
+            <a:spLocks noGrp="1" noRot="1" noChangeAspect="1"/>
+          </p:cNvSpPr>
+          <p:nvPr>
+            <p:ph type="sldImg"/>
+          </p:nvPr>
+        </p:nvSpPr>
+        <p:spPr/>
+      </p:sp>
+      <p:sp>
+        <p:nvSpPr>
+          <p:cNvPr id="3" name="Marcador de Posição de Notas 2"/>
+          <p:cNvSpPr>
+            <a:spLocks noGrp="1"/>
+          </p:cNvSpPr>
+          <p:nvPr>
+            <p:ph type="body" idx="1"/>
+          </p:nvPr>
+        </p:nvSpPr>
+        <p:spPr/>
+        <p:txBody>
+          <a:bodyPr>
+            <a:normAutofit/>
+          </a:bodyPr>
+          <a:lstStyle/>
+          <a:p>
+            <a:r>
+              <a:rPr lang="pt-PT" dirty="0" smtClean="0"/>
+              <a:t>Descrever o slide</a:t>
+            </a:r>
+            <a:endParaRPr lang="pt-PT" dirty="0"/>
+          </a:p>
+        </p:txBody>
+      </p:sp>
+      <p:sp>
+        <p:nvSpPr>
+          <p:cNvPr id="4" name="Marcador de Posição do Número do Diapositivo 3"/>
+          <p:cNvSpPr>
+            <a:spLocks noGrp="1"/>
+          </p:cNvSpPr>
+          <p:nvPr>
+            <p:ph type="sldNum" sz="quarter" idx="10"/>
+          </p:nvPr>
+        </p:nvSpPr>
+        <p:spPr/>
+        <p:txBody>
+          <a:bodyPr/>
+          <a:lstStyle/>
+          <a:p>
+            <a:fld id="{6839BC13-A530-46E7-A1C3-5A5A03EA1F45}" type="slidenum">
+              <a:rPr lang="pt-PT" smtClean="0"/>
+              <a:pPr/>
+              <a:t>24</a:t>
+            </a:fld>
+            <a:endParaRPr lang="pt-PT"/>
+          </a:p>
+        </p:txBody>
+      </p:sp>
+    </p:spTree>
+  </p:cSld>
+  <p:clrMapOvr>
+    <a:masterClrMapping/>
+  </p:clrMapOvr>
+</p:notes>
+</file>
+
+<file path=ppt/notesSlides/notesSlide15.xml><?xml version="1.0" encoding="utf-8"?>
+<p:notes xmlns:a="http://schemas.openxmlformats.org/drawingml/2006/main" xmlns:r="http://schemas.openxmlformats.org/officeDocument/2006/relationships" xmlns:p="http://schemas.openxmlformats.org/presentationml/2006/main">
+  <p:cSld>
+    <p:spTree>
+      <p:nvGrpSpPr>
+        <p:cNvPr id="1" name=""/>
+        <p:cNvGrpSpPr/>
+        <p:nvPr/>
+      </p:nvGrpSpPr>
+      <p:grpSpPr>
+        <a:xfrm>
+          <a:off x="0" y="0"/>
+          <a:ext cx="0" cy="0"/>
+          <a:chOff x="0" y="0"/>
+          <a:chExt cx="0" cy="0"/>
+        </a:xfrm>
+      </p:grpSpPr>
+      <p:sp>
+        <p:nvSpPr>
+          <p:cNvPr id="2" name="Marcador de Posição da Imagem do Diapositivo 1"/>
+          <p:cNvSpPr>
+            <a:spLocks noGrp="1" noRot="1" noChangeAspect="1"/>
+          </p:cNvSpPr>
+          <p:nvPr>
+            <p:ph type="sldImg"/>
+          </p:nvPr>
+        </p:nvSpPr>
+        <p:spPr/>
+      </p:sp>
+      <p:sp>
+        <p:nvSpPr>
+          <p:cNvPr id="3" name="Marcador de Posição de Notas 2"/>
+          <p:cNvSpPr>
+            <a:spLocks noGrp="1"/>
+          </p:cNvSpPr>
+          <p:nvPr>
+            <p:ph type="body" idx="1"/>
+          </p:nvPr>
+        </p:nvSpPr>
+        <p:spPr/>
+        <p:txBody>
+          <a:bodyPr>
+            <a:normAutofit/>
+          </a:bodyPr>
+          <a:lstStyle/>
+          <a:p>
+            <a:r>
+              <a:rPr lang="pt-PT" dirty="0" smtClean="0"/>
+              <a:t>Durante a realização do projecto foi efectuado um estudo de aplicações</a:t>
+            </a:r>
+            <a:r>
+              <a:rPr lang="pt-PT" baseline="0" dirty="0" smtClean="0"/>
+              <a:t> e soluções semelhantes a deste projecto.</a:t>
+            </a:r>
+          </a:p>
+          <a:p>
+            <a:r>
+              <a:rPr lang="pt-PT" baseline="0" dirty="0" smtClean="0"/>
+              <a:t>As encontradas foram em grande parte afinadores de instrumentos e a aplicação note detector.</a:t>
+            </a:r>
+          </a:p>
+          <a:p>
+            <a:endParaRPr lang="pt-PT" baseline="0" dirty="0" smtClean="0"/>
+          </a:p>
+          <a:p>
+            <a:r>
+              <a:rPr lang="pt-PT" baseline="0" dirty="0" smtClean="0"/>
+              <a:t>Os afinadores apesar de estarem espalhados por diferentes arquitecturas, nomeadamente </a:t>
+            </a:r>
+            <a:r>
+              <a:rPr lang="pt-PT" baseline="0" dirty="0" err="1" smtClean="0"/>
+              <a:t>telemoveis</a:t>
+            </a:r>
+            <a:r>
+              <a:rPr lang="pt-PT" baseline="0" dirty="0" smtClean="0"/>
+              <a:t> e sistemas dedicados, detectam um range baixo de frequências, normalmente até </a:t>
+            </a:r>
+            <a:r>
+              <a:rPr lang="pt-PT" baseline="0" dirty="0" err="1" smtClean="0"/>
+              <a:t>so</a:t>
+            </a:r>
+            <a:r>
+              <a:rPr lang="pt-PT" baseline="0" dirty="0" smtClean="0"/>
+              <a:t> detectam </a:t>
+            </a:r>
+            <a:r>
+              <a:rPr lang="pt-PT" baseline="0" dirty="0" err="1" smtClean="0"/>
+              <a:t>frequencias</a:t>
+            </a:r>
+            <a:r>
+              <a:rPr lang="pt-PT" baseline="0" dirty="0" smtClean="0"/>
+              <a:t> de referencia dos instrumentos.</a:t>
+            </a:r>
+          </a:p>
+          <a:p>
+            <a:endParaRPr lang="pt-PT" baseline="0" dirty="0" smtClean="0"/>
+          </a:p>
+          <a:p>
+            <a:r>
+              <a:rPr lang="pt-PT" baseline="0" dirty="0" smtClean="0"/>
+              <a:t>A aplicação note detector é bastante semelhante ao maestro mas está fortemente dependente do sistema operativo </a:t>
+            </a:r>
+            <a:r>
+              <a:rPr lang="pt-PT" baseline="0" dirty="0" err="1" smtClean="0"/>
+              <a:t>windows</a:t>
+            </a:r>
+            <a:r>
+              <a:rPr lang="pt-PT" baseline="0" dirty="0" smtClean="0"/>
+              <a:t>.</a:t>
+            </a:r>
+          </a:p>
+          <a:p>
+            <a:endParaRPr lang="pt-PT" baseline="0" dirty="0" smtClean="0"/>
+          </a:p>
+          <a:p>
+            <a:r>
+              <a:rPr lang="pt-PT" baseline="0" dirty="0" smtClean="0"/>
+              <a:t>O maestro por outro lado alem de portável está </a:t>
+            </a:r>
+            <a:r>
+              <a:rPr lang="pt-PT" baseline="0" dirty="0" err="1" smtClean="0"/>
+              <a:t>sensivel</a:t>
+            </a:r>
+            <a:r>
+              <a:rPr lang="pt-PT" baseline="0" dirty="0" smtClean="0"/>
+              <a:t> a uma alagada banda de </a:t>
+            </a:r>
+            <a:r>
+              <a:rPr lang="pt-PT" baseline="0" dirty="0" err="1" smtClean="0"/>
+              <a:t>frequencias</a:t>
+            </a:r>
+            <a:r>
+              <a:rPr lang="pt-PT" baseline="0" dirty="0" smtClean="0"/>
+              <a:t>. </a:t>
+            </a:r>
+          </a:p>
+          <a:p>
+            <a:endParaRPr lang="pt-PT" baseline="0" dirty="0" smtClean="0"/>
+          </a:p>
+          <a:p>
+            <a:endParaRPr lang="pt-PT" baseline="0" dirty="0" smtClean="0"/>
+          </a:p>
+          <a:p>
+            <a:endParaRPr lang="pt-PT" dirty="0"/>
+          </a:p>
+        </p:txBody>
+      </p:sp>
+      <p:sp>
+        <p:nvSpPr>
+          <p:cNvPr id="4" name="Marcador de Posição do Número do Diapositivo 3"/>
+          <p:cNvSpPr>
+            <a:spLocks noGrp="1"/>
+          </p:cNvSpPr>
+          <p:nvPr>
+            <p:ph type="sldNum" sz="quarter" idx="10"/>
+          </p:nvPr>
+        </p:nvSpPr>
+        <p:spPr/>
+        <p:txBody>
+          <a:bodyPr/>
+          <a:lstStyle/>
+          <a:p>
+            <a:fld id="{6839BC13-A530-46E7-A1C3-5A5A03EA1F45}" type="slidenum">
+              <a:rPr lang="pt-PT" smtClean="0"/>
+              <a:pPr/>
+              <a:t>25</a:t>
+            </a:fld>
+            <a:endParaRPr lang="pt-PT"/>
+          </a:p>
+        </p:txBody>
+      </p:sp>
+    </p:spTree>
+  </p:cSld>
+  <p:clrMapOvr>
+    <a:masterClrMapping/>
+  </p:clrMapOvr>
+</p:notes>
+</file>
+
+<file path=ppt/notesSlides/notesSlide16.xml><?xml version="1.0" encoding="utf-8"?>
+<p:notes xmlns:a="http://schemas.openxmlformats.org/drawingml/2006/main" xmlns:r="http://schemas.openxmlformats.org/officeDocument/2006/relationships" xmlns:p="http://schemas.openxmlformats.org/presentationml/2006/main">
+  <p:cSld>
+    <p:spTree>
+      <p:nvGrpSpPr>
+        <p:cNvPr id="1" name=""/>
+        <p:cNvGrpSpPr/>
+        <p:nvPr/>
+      </p:nvGrpSpPr>
+      <p:grpSpPr>
+        <a:xfrm>
+          <a:off x="0" y="0"/>
+          <a:ext cx="0" cy="0"/>
+          <a:chOff x="0" y="0"/>
+          <a:chExt cx="0" cy="0"/>
+        </a:xfrm>
+      </p:grpSpPr>
+      <p:sp>
+        <p:nvSpPr>
+          <p:cNvPr id="2" name="Marcador de Posição da Imagem do Diapositivo 1"/>
+          <p:cNvSpPr>
+            <a:spLocks noGrp="1" noRot="1" noChangeAspect="1"/>
+          </p:cNvSpPr>
+          <p:nvPr>
+            <p:ph type="sldImg"/>
+          </p:nvPr>
+        </p:nvSpPr>
+        <p:spPr/>
+      </p:sp>
+      <p:sp>
+        <p:nvSpPr>
+          <p:cNvPr id="3" name="Marcador de Posição de Notas 2"/>
+          <p:cNvSpPr>
+            <a:spLocks noGrp="1"/>
+          </p:cNvSpPr>
+          <p:nvPr>
+            <p:ph type="body" idx="1"/>
+          </p:nvPr>
+        </p:nvSpPr>
+        <p:spPr/>
+        <p:txBody>
+          <a:bodyPr>
+            <a:normAutofit/>
+          </a:bodyPr>
+          <a:lstStyle/>
+          <a:p>
+            <a:endParaRPr lang="pt-PT" dirty="0"/>
+          </a:p>
+        </p:txBody>
+      </p:sp>
+      <p:sp>
+        <p:nvSpPr>
+          <p:cNvPr id="4" name="Marcador de Posição do Número do Diapositivo 3"/>
+          <p:cNvSpPr>
+            <a:spLocks noGrp="1"/>
+          </p:cNvSpPr>
+          <p:nvPr>
+            <p:ph type="sldNum" sz="quarter" idx="10"/>
+          </p:nvPr>
+        </p:nvSpPr>
+        <p:spPr/>
+        <p:txBody>
+          <a:bodyPr/>
+          <a:lstStyle/>
+          <a:p>
+            <a:fld id="{6839BC13-A530-46E7-A1C3-5A5A03EA1F45}" type="slidenum">
+              <a:rPr lang="pt-PT" smtClean="0"/>
+              <a:pPr/>
+              <a:t>26</a:t>
+            </a:fld>
+            <a:endParaRPr lang="pt-PT"/>
+          </a:p>
+        </p:txBody>
+      </p:sp>
+    </p:spTree>
+  </p:cSld>
+  <p:clrMapOvr>
+    <a:masterClrMapping/>
+  </p:clrMapOvr>
+</p:notes>
+</file>
+
 <file path=ppt/notesSlides/notesSlide2.xml><?xml version="1.0" encoding="utf-8"?>
 <p:notes xmlns:a="http://schemas.openxmlformats.org/drawingml/2006/main" xmlns:r="http://schemas.openxmlformats.org/officeDocument/2006/relationships" xmlns:p="http://schemas.openxmlformats.org/presentationml/2006/main">
   <p:cSld>
@@ -692,10 +1490,27 @@
         <p:spPr/>
         <p:txBody>
           <a:bodyPr>
-            <a:normAutofit lnSpcReduction="10000"/>
+            <a:normAutofit/>
           </a:bodyPr>
           <a:lstStyle/>
           <a:p>
+            <a:pPr marL="0" marR="0" indent="0" algn="l" defTabSz="914400" rtl="0" eaLnBrk="1" fontAlgn="auto" latinLnBrk="0" hangingPunct="1">
+              <a:lnSpc>
+                <a:spcPct val="100000"/>
+              </a:lnSpc>
+              <a:spcBef>
+                <a:spcPts val="0"/>
+              </a:spcBef>
+              <a:spcAft>
+                <a:spcPts val="0"/>
+              </a:spcAft>
+              <a:buClrTx/>
+              <a:buSzTx/>
+              <a:buFontTx/>
+              <a:buNone/>
+              <a:tabLst/>
+              <a:defRPr/>
+            </a:pPr>
             <a:r>
               <a:rPr lang="pt-PT" dirty="0" smtClean="0"/>
               <a:t>A infra-estrutura</a:t>
@@ -706,40 +1521,47 @@
             </a:r>
           </a:p>
           <a:p>
+            <a:endParaRPr lang="pt-PT" dirty="0" smtClean="0"/>
+          </a:p>
+          <a:p>
+            <a:r>
+              <a:rPr lang="pt-PT" baseline="0" dirty="0" smtClean="0"/>
+              <a:t>Esta funciona à volta dos filtros de </a:t>
+            </a:r>
+            <a:r>
+              <a:rPr lang="pt-PT" baseline="0" dirty="0" err="1" smtClean="0"/>
+              <a:t>goertzel</a:t>
+            </a:r>
+            <a:r>
+              <a:rPr lang="pt-PT" baseline="0" dirty="0" smtClean="0"/>
+              <a:t>, estes realizam todo o processamento de sinal referido anteriormente.</a:t>
+            </a:r>
+          </a:p>
+          <a:p>
             <a:endParaRPr lang="pt-PT" baseline="0" dirty="0" smtClean="0"/>
           </a:p>
           <a:p>
             <a:r>
               <a:rPr lang="pt-PT" baseline="0" dirty="0" smtClean="0"/>
-              <a:t>Na imagem estão representados 3 dos 4 elementos chave da infra-estrutura, o </a:t>
+              <a:t>Os filtros recebem as amostras, as frequências a detectar e os coeficientes dos filtros.</a:t>
+            </a:r>
+          </a:p>
+          <a:p>
+            <a:r>
+              <a:rPr lang="pt-PT" baseline="0" dirty="0" smtClean="0"/>
+              <a:t>O modo funcionamento destes passa por realizar a filtragem primeiro e caso existam evidencias de que uma </a:t>
             </a:r>
             <a:r>
               <a:rPr lang="pt-PT" baseline="0" dirty="0" err="1" smtClean="0"/>
-              <a:t>Samples</a:t>
+              <a:t>frequencia</a:t>
             </a:r>
             <a:r>
               <a:rPr lang="pt-PT" baseline="0" dirty="0" smtClean="0"/>
-              <a:t> </a:t>
+              <a:t> existe é invocado posteriormente o algoritmo de </a:t>
             </a:r>
             <a:r>
               <a:rPr lang="pt-PT" baseline="0" dirty="0" err="1" smtClean="0"/>
-              <a:t>Manager</a:t>
-            </a:r>
-            <a:r>
-              <a:rPr lang="pt-PT" baseline="0" dirty="0" smtClean="0"/>
-              <a:t>, os Filtros de Goertzel e o </a:t>
-            </a:r>
-            <a:r>
-              <a:rPr lang="pt-PT" baseline="0" dirty="0" err="1" smtClean="0"/>
-              <a:t>Result</a:t>
-            </a:r>
-            <a:r>
-              <a:rPr lang="pt-PT" baseline="0" dirty="0" smtClean="0"/>
-              <a:t> </a:t>
-            </a:r>
-            <a:r>
-              <a:rPr lang="pt-PT" baseline="0" dirty="0" err="1" smtClean="0"/>
-              <a:t>Controller</a:t>
+              <a:t>goertzel</a:t>
             </a:r>
             <a:r>
               <a:rPr lang="pt-PT" baseline="0" dirty="0" smtClean="0"/>
@@ -752,32 +1574,7 @@
           <a:p>
             <a:r>
               <a:rPr lang="pt-PT" baseline="0" dirty="0" smtClean="0"/>
-              <a:t>O módulo </a:t>
-            </a:r>
-            <a:r>
-              <a:rPr lang="pt-PT" baseline="0" dirty="0" err="1" smtClean="0"/>
-              <a:t>samples</a:t>
-            </a:r>
-            <a:r>
-              <a:rPr lang="pt-PT" baseline="0" dirty="0" smtClean="0"/>
-              <a:t> </a:t>
-            </a:r>
-            <a:r>
-              <a:rPr lang="pt-PT" baseline="0" dirty="0" err="1" smtClean="0"/>
-              <a:t>manager</a:t>
-            </a:r>
-            <a:r>
-              <a:rPr lang="pt-PT" baseline="0" dirty="0" smtClean="0"/>
-              <a:t>, como o nome indica, é o buffer onde são colocadas todas as amostras adquiridas, esta além de as salvaguardar utiliza mecanismos de sincronização para dar as amostras aos filtros.</a:t>
-            </a:r>
-          </a:p>
-          <a:p>
-            <a:endParaRPr lang="pt-PT" baseline="0" dirty="0" smtClean="0"/>
-          </a:p>
-          <a:p>
-            <a:r>
-              <a:rPr lang="pt-PT" baseline="0" dirty="0" smtClean="0"/>
-              <a:t>Os filtros de </a:t>
+              <a:t>é onde é realizado todo o processo de processamento de sinal, estes são parametrizados com as frequências que devem identificar e com os coeficientes dos filtros FIR para realizar a filtragem para a sua gama. Na figura ilustra o funcionamento dos filtros onde o sinal à medida que chega é filtrado antes de ser passado ao algoritmo de </a:t>
             </a:r>
             <a:r>
               <a:rPr lang="pt-PT" baseline="0" dirty="0" err="1" smtClean="0"/>
@@ -785,82 +1582,11 @@
             </a:r>
             <a:r>
               <a:rPr lang="pt-PT" baseline="0" dirty="0" smtClean="0"/>
-              <a:t> é onde é realizado todo o processo de processamento de sinal, estes são parametrizados com as frequências que devem identificar e com os coeficientes dos filtros FIR para realizar a filtragem para a sua gama. Na figura ilustra o funcionamento dos filtros onde o sinal à medida que chega é filtrado antes de ser passado ao algoritmo de </a:t>
-            </a:r>
-            <a:r>
-              <a:rPr lang="pt-PT" baseline="0" dirty="0" err="1" smtClean="0"/>
-              <a:t>goertzel</a:t>
-            </a:r>
-            <a:r>
-              <a:rPr lang="pt-PT" baseline="0" dirty="0" smtClean="0"/>
               <a:t>.</a:t>
             </a:r>
           </a:p>
           <a:p>
-            <a:r>
-              <a:rPr lang="pt-PT" baseline="0" dirty="0" smtClean="0"/>
-              <a:t>Um facto importante destes filtros é o facto de estes correm em fios de execução diferentes </a:t>
-            </a:r>
-            <a:r>
-              <a:rPr lang="pt-PT" baseline="0" dirty="0" err="1" smtClean="0"/>
-              <a:t>aka</a:t>
-            </a:r>
-            <a:r>
-              <a:rPr lang="pt-PT" baseline="0" dirty="0" smtClean="0"/>
-              <a:t> thread, isto permite que o trabalho vá sendo efectuado por partes ao invés de ser todo iterativo, isto viabiliza a solução porque assim o módulo </a:t>
-            </a:r>
-            <a:r>
-              <a:rPr lang="pt-PT" baseline="0" dirty="0" err="1" smtClean="0"/>
-              <a:t>Samples</a:t>
-            </a:r>
-            <a:r>
-              <a:rPr lang="pt-PT" baseline="0" dirty="0" smtClean="0"/>
-              <a:t> </a:t>
-            </a:r>
-            <a:r>
-              <a:rPr lang="pt-PT" baseline="0" dirty="0" err="1" smtClean="0"/>
-              <a:t>Manager</a:t>
-            </a:r>
-            <a:r>
-              <a:rPr lang="pt-PT" baseline="0" dirty="0" smtClean="0"/>
-              <a:t> não precisa de guardar as amostras por tanto tempo como necessitaria de o fazer caso os filtros não fossem </a:t>
-            </a:r>
-            <a:r>
-              <a:rPr lang="pt-PT" baseline="0" dirty="0" err="1" smtClean="0"/>
-              <a:t>paralelizáveis</a:t>
-            </a:r>
-            <a:r>
-              <a:rPr lang="pt-PT" baseline="0" dirty="0" smtClean="0"/>
-              <a:t>.</a:t>
-            </a:r>
-          </a:p>
-          <a:p>
-            <a:endParaRPr lang="pt-PT" baseline="0" dirty="0" smtClean="0"/>
-          </a:p>
-          <a:p>
-            <a:r>
-              <a:rPr lang="pt-PT" baseline="0" dirty="0" smtClean="0"/>
-              <a:t>O </a:t>
-            </a:r>
-            <a:r>
-              <a:rPr lang="pt-PT" baseline="0" dirty="0" err="1" smtClean="0"/>
-              <a:t>Results</a:t>
-            </a:r>
-            <a:r>
-              <a:rPr lang="pt-PT" baseline="0" dirty="0" smtClean="0"/>
-              <a:t> </a:t>
-            </a:r>
-            <a:r>
-              <a:rPr lang="pt-PT" baseline="0" dirty="0" err="1" smtClean="0"/>
-              <a:t>Controller</a:t>
-            </a:r>
-            <a:r>
-              <a:rPr lang="pt-PT" baseline="0" dirty="0" smtClean="0"/>
-              <a:t> é responsável por controlar os resultados dos filtros. Uma vez que os filtros correm concorrentemente é necessário haver certos cuidados de sincronização, nomeadamente a altura em que os resultados devem ser libertados para o utilizador.</a:t>
-            </a:r>
-          </a:p>
-          <a:p>
-            <a:endParaRPr lang="pt-PT" baseline="0" dirty="0" smtClean="0"/>
+            <a:endParaRPr lang="pt-PT" dirty="0"/>
           </a:p>
         </p:txBody>
       </p:sp>
@@ -882,7 +1608,7 @@
             <a:fld id="{6839BC13-A530-46E7-A1C3-5A5A03EA1F45}" type="slidenum">
               <a:rPr lang="pt-PT" smtClean="0"/>
               <a:pPr/>
-              <a:t>14</a:t>
+              <a:t>13</a:t>
             </a:fld>
             <a:endParaRPr lang="pt-PT"/>
           </a:p>
@@ -942,6 +1668,103 @@
           </a:bodyPr>
           <a:lstStyle/>
           <a:p>
+            <a:endParaRPr lang="pt-PT" baseline="0" dirty="0" smtClean="0"/>
+          </a:p>
+          <a:p>
+            <a:r>
+              <a:rPr lang="pt-PT" baseline="0" dirty="0" smtClean="0"/>
+              <a:t>Na imagem estão representados 3 dos 4 elementos chave da infra-estrutura, o </a:t>
+            </a:r>
+            <a:r>
+              <a:rPr lang="pt-PT" baseline="0" dirty="0" err="1" smtClean="0"/>
+              <a:t>Samples</a:t>
+            </a:r>
+            <a:r>
+              <a:rPr lang="pt-PT" baseline="0" dirty="0" smtClean="0"/>
+              <a:t> </a:t>
+            </a:r>
+            <a:r>
+              <a:rPr lang="pt-PT" baseline="0" dirty="0" err="1" smtClean="0"/>
+              <a:t>Manager</a:t>
+            </a:r>
+            <a:r>
+              <a:rPr lang="pt-PT" baseline="0" dirty="0" smtClean="0"/>
+              <a:t>, os Filtros de Goertzel e o </a:t>
+            </a:r>
+            <a:r>
+              <a:rPr lang="pt-PT" baseline="0" dirty="0" err="1" smtClean="0"/>
+              <a:t>Result</a:t>
+            </a:r>
+            <a:r>
+              <a:rPr lang="pt-PT" baseline="0" dirty="0" smtClean="0"/>
+              <a:t> </a:t>
+            </a:r>
+            <a:r>
+              <a:rPr lang="pt-PT" baseline="0" dirty="0" err="1" smtClean="0"/>
+              <a:t>Controller</a:t>
+            </a:r>
+            <a:r>
+              <a:rPr lang="pt-PT" baseline="0" dirty="0" smtClean="0"/>
+              <a:t>.</a:t>
+            </a:r>
+          </a:p>
+          <a:p>
+            <a:endParaRPr lang="pt-PT" baseline="0" dirty="0" smtClean="0"/>
+          </a:p>
+          <a:p>
+            <a:r>
+              <a:rPr lang="pt-PT" baseline="0" dirty="0" smtClean="0"/>
+              <a:t>O módulo </a:t>
+            </a:r>
+            <a:r>
+              <a:rPr lang="pt-PT" baseline="0" dirty="0" err="1" smtClean="0"/>
+              <a:t>samples</a:t>
+            </a:r>
+            <a:r>
+              <a:rPr lang="pt-PT" baseline="0" dirty="0" smtClean="0"/>
+              <a:t> </a:t>
+            </a:r>
+            <a:r>
+              <a:rPr lang="pt-PT" baseline="0" dirty="0" err="1" smtClean="0"/>
+              <a:t>manager</a:t>
+            </a:r>
+            <a:r>
+              <a:rPr lang="pt-PT" baseline="0" dirty="0" smtClean="0"/>
+              <a:t>, como o nome indica, é o buffer onde são colocadas todas as amostras adquiridas, esta além de as salvaguardar utiliza mecanismos de sincronização para dar as amostras aos filtros.</a:t>
+            </a:r>
+          </a:p>
+          <a:p>
+            <a:endParaRPr lang="pt-PT" baseline="0" dirty="0" smtClean="0"/>
+          </a:p>
+          <a:p>
+            <a:endParaRPr lang="pt-PT" baseline="0" dirty="0" smtClean="0"/>
+          </a:p>
+          <a:p>
+            <a:r>
+              <a:rPr lang="pt-PT" baseline="0" dirty="0" smtClean="0"/>
+              <a:t>O </a:t>
+            </a:r>
+            <a:r>
+              <a:rPr lang="pt-PT" baseline="0" dirty="0" err="1" smtClean="0"/>
+              <a:t>Results</a:t>
+            </a:r>
+            <a:r>
+              <a:rPr lang="pt-PT" baseline="0" dirty="0" smtClean="0"/>
+              <a:t> </a:t>
+            </a:r>
+            <a:r>
+              <a:rPr lang="pt-PT" baseline="0" dirty="0" err="1" smtClean="0"/>
+              <a:t>Controller</a:t>
+            </a:r>
+            <a:r>
+              <a:rPr lang="pt-PT" baseline="0" dirty="0" smtClean="0"/>
+              <a:t> é responsável por controlar os resultados dos filtros. Uma vez que os filtros correm concorrentemente é necessário haver certos cuidados de sincronização, nomeadamente a altura em que os resultados devem ser libertados para o utilizador.</a:t>
+            </a:r>
+          </a:p>
+          <a:p>
+            <a:endParaRPr lang="pt-PT" baseline="0" dirty="0" smtClean="0"/>
+          </a:p>
+          <a:p>
             <a:pPr marL="0" marR="0" indent="0" algn="l" defTabSz="914400" rtl="0" eaLnBrk="1" fontAlgn="auto" latinLnBrk="0" hangingPunct="1">
               <a:lnSpc>
                 <a:spcPct val="100000"/>
@@ -960,26 +1783,16 @@
               <a:defRPr/>
             </a:pPr>
             <a:r>
-              <a:rPr lang="pt-PT" dirty="0" smtClean="0"/>
-              <a:t>Controla o funcionamento do algoritmo de Goertzel</a:t>
-            </a:r>
-            <a:r>
               <a:rPr lang="pt-PT" baseline="0" dirty="0" smtClean="0"/>
-              <a:t> -&gt; O algoritmo de Goertzel é apenas invocado quando existe evidencias que alguma das notas que este deve detectar está presente no sinal. Isto é realizado através da comparação da energia do sinal adquirido com a energia do sinal filtrado.</a:t>
-            </a:r>
-            <a:endParaRPr lang="pt-PT" dirty="0" smtClean="0"/>
-          </a:p>
-          <a:p>
-            <a:endParaRPr lang="pt-PT" baseline="0" dirty="0" smtClean="0"/>
-          </a:p>
-          <a:p>
-            <a:r>
-              <a:rPr lang="pt-PT" dirty="0" smtClean="0"/>
-              <a:t>Gere as amostras adquiridas e a sua filtragem -&gt;</a:t>
+              <a:t>Um facto importante destes filtros é o facto de estes correm em fios de execução diferentes </a:t>
+            </a:r>
+            <a:r>
+              <a:rPr lang="pt-PT" baseline="0" dirty="0" err="1" smtClean="0"/>
+              <a:t>aka</a:t>
             </a:r>
             <a:r>
               <a:rPr lang="pt-PT" baseline="0" dirty="0" smtClean="0"/>
-              <a:t> O módulo </a:t>
+              <a:t> thread, isto permite que o trabalho vá sendo efectuado por partes ao invés de ser todo iterativo, isto viabiliza a solução porque assim o módulo </a:t>
             </a:r>
             <a:r>
               <a:rPr lang="pt-PT" baseline="0" dirty="0" err="1" smtClean="0"/>
@@ -995,176 +1808,19 @@
             </a:r>
             <a:r>
               <a:rPr lang="pt-PT" baseline="0" dirty="0" smtClean="0"/>
-              <a:t> sabe em cada momento o estado das amostras que salvaguarda, em leitura, por ler ou lidas, fazem uma gestão à lá </a:t>
+              <a:t> não precisa de guardar as amostras por tanto tempo como necessitaria de o fazer caso os filtros não fossem </a:t>
             </a:r>
             <a:r>
               <a:rPr lang="pt-PT" baseline="0" dirty="0" err="1" smtClean="0"/>
-              <a:t>ring</a:t>
+              <a:t>paralelizáveis</a:t>
             </a:r>
             <a:r>
               <a:rPr lang="pt-PT" baseline="0" dirty="0" smtClean="0"/>
-              <a:t> buffer das amostras.</a:t>
-            </a:r>
-          </a:p>
-          <a:p>
-            <a:r>
-              <a:rPr lang="pt-PT" baseline="0" dirty="0" smtClean="0"/>
-              <a:t>A filtragem é realizada por todos os filtros Goertzel, essa filtragem serve sempre para filtra as frequências não pertencentes à gama que os filtros querem detectar.</a:t>
+              <a:t>.</a:t>
             </a:r>
           </a:p>
           <a:p>
             <a:endParaRPr lang="pt-PT" baseline="0" dirty="0" smtClean="0"/>
-          </a:p>
-          <a:p>
-            <a:endParaRPr lang="pt-PT" baseline="0" dirty="0" smtClean="0"/>
-          </a:p>
-          <a:p>
-            <a:pPr marL="0" marR="0" indent="0" algn="l" defTabSz="914400" rtl="0" eaLnBrk="1" fontAlgn="auto" latinLnBrk="0" hangingPunct="1">
-              <a:lnSpc>
-                <a:spcPct val="100000"/>
-              </a:lnSpc>
-              <a:spcBef>
-                <a:spcPts val="0"/>
-              </a:spcBef>
-              <a:spcAft>
-                <a:spcPts val="0"/>
-              </a:spcAft>
-              <a:buClrTx/>
-              <a:buSzTx/>
-              <a:buFontTx/>
-              <a:buNone/>
-              <a:tabLst/>
-              <a:defRPr/>
-            </a:pPr>
-            <a:r>
-              <a:rPr lang="pt-PT" dirty="0" smtClean="0"/>
-              <a:t>Responsável por gerir resultados</a:t>
-            </a:r>
-            <a:r>
-              <a:rPr lang="pt-PT" baseline="0" dirty="0" smtClean="0"/>
-              <a:t> -&gt; Os resultados são preservados utilizando uma estratégia de </a:t>
-            </a:r>
-            <a:r>
-              <a:rPr lang="pt-PT" baseline="0" dirty="0" err="1" smtClean="0"/>
-              <a:t>double</a:t>
-            </a:r>
-            <a:r>
-              <a:rPr lang="pt-PT" baseline="0" dirty="0" smtClean="0"/>
-              <a:t> </a:t>
-            </a:r>
-            <a:r>
-              <a:rPr lang="pt-PT" baseline="0" dirty="0" err="1" smtClean="0"/>
-              <a:t>buffering</a:t>
-            </a:r>
-            <a:r>
-              <a:rPr lang="pt-PT" baseline="0" dirty="0" smtClean="0"/>
-              <a:t>, permitindo assim que os filtros possam estar a produzir resultados enquanto a infra-estrutura apresenta os resultados previamente gerados.</a:t>
-            </a:r>
-          </a:p>
-          <a:p>
-            <a:pPr marL="0" marR="0" indent="0" algn="l" defTabSz="914400" rtl="0" eaLnBrk="1" fontAlgn="auto" latinLnBrk="0" hangingPunct="1">
-              <a:lnSpc>
-                <a:spcPct val="100000"/>
-              </a:lnSpc>
-              <a:spcBef>
-                <a:spcPts val="0"/>
-              </a:spcBef>
-              <a:spcAft>
-                <a:spcPts val="0"/>
-              </a:spcAft>
-              <a:buClrTx/>
-              <a:buSzTx/>
-              <a:buFontTx/>
-              <a:buNone/>
-              <a:tabLst/>
-              <a:defRPr/>
-            </a:pPr>
-            <a:endParaRPr lang="pt-PT" baseline="0" dirty="0" smtClean="0"/>
-          </a:p>
-          <a:p>
-            <a:pPr marL="0" marR="0" indent="0" algn="l" defTabSz="914400" rtl="0" eaLnBrk="1" fontAlgn="auto" latinLnBrk="0" hangingPunct="1">
-              <a:lnSpc>
-                <a:spcPct val="100000"/>
-              </a:lnSpc>
-              <a:spcBef>
-                <a:spcPts val="0"/>
-              </a:spcBef>
-              <a:spcAft>
-                <a:spcPts val="0"/>
-              </a:spcAft>
-              <a:buClrTx/>
-              <a:buSzTx/>
-              <a:buFontTx/>
-              <a:buNone/>
-              <a:tabLst/>
-              <a:defRPr/>
-            </a:pPr>
-            <a:endParaRPr lang="pt-PT" dirty="0" smtClean="0"/>
-          </a:p>
-          <a:p>
-            <a:r>
-              <a:rPr lang="pt-PT" dirty="0" smtClean="0"/>
-              <a:t>Interface de utilização assíncrona -&gt; Uma vez que a infra-estrutura foi desenvolvida recorrendo ao paradigma da programação</a:t>
-            </a:r>
-            <a:r>
-              <a:rPr lang="pt-PT" baseline="0" dirty="0" smtClean="0"/>
-              <a:t> concorrente faz sentido que os resultados sejam </a:t>
-            </a:r>
-            <a:r>
-              <a:rPr lang="pt-PT" baseline="0" dirty="0" err="1" smtClean="0"/>
-              <a:t>assincronos</a:t>
-            </a:r>
-            <a:r>
-              <a:rPr lang="pt-PT" baseline="0" dirty="0" smtClean="0"/>
-              <a:t>, assim o programa regista um </a:t>
-            </a:r>
-            <a:r>
-              <a:rPr lang="pt-PT" baseline="0" dirty="0" err="1" smtClean="0"/>
-              <a:t>callback</a:t>
-            </a:r>
-            <a:r>
-              <a:rPr lang="pt-PT" baseline="0" dirty="0" smtClean="0"/>
-              <a:t> que irá ser chamado pela infra-estrutura quando tiver resultados para apresentar.</a:t>
-            </a:r>
-          </a:p>
-          <a:p>
-            <a:endParaRPr lang="pt-PT" dirty="0" smtClean="0"/>
-          </a:p>
-          <a:p>
-            <a:pPr marL="0" marR="0" indent="0" algn="l" defTabSz="914400" rtl="0" eaLnBrk="1" fontAlgn="auto" latinLnBrk="0" hangingPunct="1">
-              <a:lnSpc>
-                <a:spcPct val="100000"/>
-              </a:lnSpc>
-              <a:spcBef>
-                <a:spcPts val="0"/>
-              </a:spcBef>
-              <a:spcAft>
-                <a:spcPts val="0"/>
-              </a:spcAft>
-              <a:buClrTx/>
-              <a:buSzTx/>
-              <a:buFontTx/>
-              <a:buNone/>
-              <a:tabLst/>
-              <a:defRPr/>
-            </a:pPr>
-            <a:r>
-              <a:rPr lang="pt-PT" dirty="0" smtClean="0"/>
-              <a:t>Cálculo do tempo relativo de cada frequência</a:t>
-            </a:r>
-            <a:r>
-              <a:rPr lang="pt-PT" baseline="0" dirty="0" smtClean="0"/>
-              <a:t> -&gt; Este módulo utiliza metadata produzida pela infra-estrutura para calcular o tempo relativo das frequências, nomeadamente o numero de blocos utilizado para produzir dados resultados. Uma vez que o numero de blocos possíveis de adquirir por segundo é finito e determinável é </a:t>
-            </a:r>
-            <a:r>
-              <a:rPr lang="pt-PT" baseline="0" dirty="0" err="1" smtClean="0"/>
-              <a:t>possivel</a:t>
-            </a:r>
-            <a:r>
-              <a:rPr lang="pt-PT" baseline="0" dirty="0" smtClean="0"/>
-              <a:t> calcular a duração relativa de uma nota.</a:t>
-            </a:r>
-            <a:endParaRPr lang="pt-PT" dirty="0" smtClean="0"/>
           </a:p>
         </p:txBody>
       </p:sp>
@@ -1186,7 +1842,7 @@
             <a:fld id="{6839BC13-A530-46E7-A1C3-5A5A03EA1F45}" type="slidenum">
               <a:rPr lang="pt-PT" smtClean="0"/>
               <a:pPr/>
-              <a:t>15</a:t>
+              <a:t>14</a:t>
             </a:fld>
             <a:endParaRPr lang="pt-PT"/>
           </a:p>
@@ -1242,55 +1898,105 @@
         <p:spPr/>
         <p:txBody>
           <a:bodyPr>
-            <a:normAutofit/>
+            <a:normAutofit lnSpcReduction="10000"/>
           </a:bodyPr>
           <a:lstStyle/>
           <a:p>
+            <a:pPr marL="0" marR="0" indent="0" algn="l" defTabSz="914400" rtl="0" eaLnBrk="1" fontAlgn="auto" latinLnBrk="0" hangingPunct="1">
+              <a:lnSpc>
+                <a:spcPct val="100000"/>
+              </a:lnSpc>
+              <a:spcBef>
+                <a:spcPts val="0"/>
+              </a:spcBef>
+              <a:spcAft>
+                <a:spcPts val="0"/>
+              </a:spcAft>
+              <a:buClrTx/>
+              <a:buSzTx/>
+              <a:buFontTx/>
+              <a:buNone/>
+              <a:tabLst/>
+              <a:defRPr/>
+            </a:pPr>
+            <a:r>
+              <a:rPr lang="pt-PT" dirty="0" smtClean="0"/>
+              <a:t>Controla o funcionamento do algoritmo de Goertzel</a:t>
+            </a:r>
             <a:r>
               <a:rPr lang="pt-PT" baseline="0" dirty="0" smtClean="0"/>
-              <a:t>Realizado no </a:t>
+              <a:t> -&gt; O algoritmo de Goertzel é apenas invocado quando existe evidencias que alguma das notas que este deve detectar está presente no sinal. Isto é realizado através da comparação da energia do sinal adquirido com a energia do sinal filtrado.</a:t>
+            </a:r>
+            <a:endParaRPr lang="pt-PT" dirty="0" smtClean="0"/>
+          </a:p>
+          <a:p>
+            <a:endParaRPr lang="pt-PT" baseline="0" dirty="0" smtClean="0"/>
+          </a:p>
+          <a:p>
+            <a:r>
+              <a:rPr lang="pt-PT" dirty="0" smtClean="0"/>
+              <a:t>Gere as amostras adquiridas e a sua filtragem -&gt;</a:t>
+            </a:r>
+            <a:r>
+              <a:rPr lang="pt-PT" baseline="0" dirty="0" smtClean="0"/>
+              <a:t> O módulo </a:t>
             </a:r>
             <a:r>
               <a:rPr lang="pt-PT" baseline="0" dirty="0" err="1" smtClean="0"/>
-              <a:t>windows</a:t>
+              <a:t>Samples</a:t>
             </a:r>
             <a:r>
               <a:rPr lang="pt-PT" baseline="0" dirty="0" smtClean="0"/>
-              <a:t>….</a:t>
-            </a:r>
-          </a:p>
-          <a:p>
+              <a:t> </a:t>
+            </a:r>
+            <a:r>
+              <a:rPr lang="pt-PT" baseline="0" dirty="0" err="1" smtClean="0"/>
+              <a:t>Manager</a:t>
+            </a:r>
             <a:r>
               <a:rPr lang="pt-PT" baseline="0" dirty="0" smtClean="0"/>
-              <a:t>Os requisitos da </a:t>
+              <a:t> sabe em cada momento o estado das amostras que salvaguarda, em leitura, por ler ou lidas, fazem uma gestão à lá </a:t>
             </a:r>
             <a:r>
               <a:rPr lang="pt-PT" baseline="0" dirty="0" err="1" smtClean="0"/>
-              <a:t>infra</a:t>
+              <a:t>ring</a:t>
             </a:r>
             <a:r>
               <a:rPr lang="pt-PT" baseline="0" dirty="0" smtClean="0"/>
-              <a:t> estrutura Goertzel são:</a:t>
-            </a:r>
-          </a:p>
-          <a:p>
+              <a:t> buffer das amostras.</a:t>
+            </a:r>
+          </a:p>
+          <a:p>
+            <a:endParaRPr lang="pt-PT" baseline="0" dirty="0" smtClean="0"/>
+          </a:p>
+          <a:p>
+            <a:endParaRPr lang="pt-PT" baseline="0" dirty="0" smtClean="0"/>
+          </a:p>
+          <a:p>
+            <a:pPr marL="0" marR="0" indent="0" algn="l" defTabSz="914400" rtl="0" eaLnBrk="1" fontAlgn="auto" latinLnBrk="0" hangingPunct="1">
+              <a:lnSpc>
+                <a:spcPct val="100000"/>
+              </a:lnSpc>
+              <a:spcBef>
+                <a:spcPts val="0"/>
+              </a:spcBef>
+              <a:spcAft>
+                <a:spcPts val="0"/>
+              </a:spcAft>
+              <a:buClrTx/>
+              <a:buSzTx/>
+              <a:buFontTx/>
+              <a:buNone/>
+              <a:tabLst/>
+              <a:defRPr/>
+            </a:pPr>
+            <a:r>
+              <a:rPr lang="pt-PT" dirty="0" smtClean="0"/>
+              <a:t>Responsável por gerir resultados</a:t>
+            </a:r>
             <a:r>
               <a:rPr lang="pt-PT" baseline="0" dirty="0" smtClean="0"/>
-              <a:t> - Tem de existir um sistema que permite criar múltiplos fios de execução.</a:t>
-            </a:r>
-          </a:p>
-          <a:p>
-            <a:r>
-              <a:rPr lang="pt-PT" baseline="0" dirty="0" smtClean="0"/>
-              <a:t> - Suporte para </a:t>
-            </a:r>
-            <a:r>
-              <a:rPr lang="pt-PT" baseline="0" dirty="0" err="1" smtClean="0"/>
-              <a:t>float</a:t>
-            </a:r>
-            <a:r>
-              <a:rPr lang="pt-PT" baseline="0" dirty="0" smtClean="0"/>
-              <a:t>/</a:t>
+              <a:t> -&gt; Os resultados são preservados utilizando uma estratégia de </a:t>
             </a:r>
             <a:r>
               <a:rPr lang="pt-PT" baseline="0" dirty="0" err="1" smtClean="0"/>
@@ -1298,17 +2004,121 @@
             </a:r>
             <a:r>
               <a:rPr lang="pt-PT" baseline="0" dirty="0" smtClean="0"/>
-              <a:t> por software.</a:t>
-            </a:r>
-          </a:p>
-          <a:p>
+              <a:t> </a:t>
+            </a:r>
+            <a:r>
+              <a:rPr lang="pt-PT" baseline="0" dirty="0" err="1" smtClean="0"/>
+              <a:t>buffering</a:t>
+            </a:r>
             <a:r>
               <a:rPr lang="pt-PT" baseline="0" dirty="0" smtClean="0"/>
-              <a:t> - Aquisição de sinal.</a:t>
-            </a:r>
-          </a:p>
-          <a:p>
-            <a:endParaRPr lang="pt-PT" dirty="0"/>
+              <a:t>, permitindo assim que os filtros possam estar a produzir resultados enquanto a infra-estrutura apresenta os resultados previamente gerados.</a:t>
+            </a:r>
+          </a:p>
+          <a:p>
+            <a:pPr marL="0" marR="0" indent="0" algn="l" defTabSz="914400" rtl="0" eaLnBrk="1" fontAlgn="auto" latinLnBrk="0" hangingPunct="1">
+              <a:lnSpc>
+                <a:spcPct val="100000"/>
+              </a:lnSpc>
+              <a:spcBef>
+                <a:spcPts val="0"/>
+              </a:spcBef>
+              <a:spcAft>
+                <a:spcPts val="0"/>
+              </a:spcAft>
+              <a:buClrTx/>
+              <a:buSzTx/>
+              <a:buFontTx/>
+              <a:buNone/>
+              <a:tabLst/>
+              <a:defRPr/>
+            </a:pPr>
+            <a:endParaRPr lang="pt-PT" baseline="0" dirty="0" smtClean="0"/>
+          </a:p>
+          <a:p>
+            <a:pPr marL="0" marR="0" indent="0" algn="l" defTabSz="914400" rtl="0" eaLnBrk="1" fontAlgn="auto" latinLnBrk="0" hangingPunct="1">
+              <a:lnSpc>
+                <a:spcPct val="100000"/>
+              </a:lnSpc>
+              <a:spcBef>
+                <a:spcPts val="0"/>
+              </a:spcBef>
+              <a:spcAft>
+                <a:spcPts val="0"/>
+              </a:spcAft>
+              <a:buClrTx/>
+              <a:buSzTx/>
+              <a:buFontTx/>
+              <a:buNone/>
+              <a:tabLst/>
+              <a:defRPr/>
+            </a:pPr>
+            <a:endParaRPr lang="pt-PT" dirty="0" smtClean="0"/>
+          </a:p>
+          <a:p>
+            <a:r>
+              <a:rPr lang="pt-PT" dirty="0" smtClean="0"/>
+              <a:t>Interface de utilização assíncrona -&gt; Uma vez que a infra-estrutura foi desenvolvida recorrendo ao paradigma da programação</a:t>
+            </a:r>
+            <a:r>
+              <a:rPr lang="pt-PT" baseline="0" dirty="0" smtClean="0"/>
+              <a:t> concorrente faz sentido que os resultados sejam </a:t>
+            </a:r>
+            <a:r>
+              <a:rPr lang="pt-PT" baseline="0" dirty="0" err="1" smtClean="0"/>
+              <a:t>assincronos</a:t>
+            </a:r>
+            <a:r>
+              <a:rPr lang="pt-PT" baseline="0" dirty="0" smtClean="0"/>
+              <a:t>, assim o programa regista um </a:t>
+            </a:r>
+            <a:r>
+              <a:rPr lang="pt-PT" baseline="0" dirty="0" err="1" smtClean="0"/>
+              <a:t>callback</a:t>
+            </a:r>
+            <a:r>
+              <a:rPr lang="pt-PT" baseline="0" dirty="0" smtClean="0"/>
+              <a:t> que irá ser chamado pela infra-estrutura quando tiver resultados para apresentar.</a:t>
+            </a:r>
+          </a:p>
+          <a:p>
+            <a:endParaRPr lang="pt-PT" dirty="0" smtClean="0"/>
+          </a:p>
+          <a:p>
+            <a:pPr marL="0" marR="0" indent="0" algn="l" defTabSz="914400" rtl="0" eaLnBrk="1" fontAlgn="auto" latinLnBrk="0" hangingPunct="1">
+              <a:lnSpc>
+                <a:spcPct val="100000"/>
+              </a:lnSpc>
+              <a:spcBef>
+                <a:spcPts val="0"/>
+              </a:spcBef>
+              <a:spcAft>
+                <a:spcPts val="0"/>
+              </a:spcAft>
+              <a:buClrTx/>
+              <a:buSzTx/>
+              <a:buFontTx/>
+              <a:buNone/>
+              <a:tabLst/>
+              <a:defRPr/>
+            </a:pPr>
+            <a:r>
+              <a:rPr lang="pt-PT" dirty="0" smtClean="0"/>
+              <a:t>Cálculo do tempo relativo de cada frequência</a:t>
+            </a:r>
+            <a:r>
+              <a:rPr lang="pt-PT" baseline="0" dirty="0" smtClean="0"/>
+              <a:t> -&gt; Este módulo utiliza metadata produzida pela infra-estrutura para calcular o tempo relativo das frequências, nomeadamente o numero de blocos utilizado para produzir dados resultados. Uma vez que o numero de blocos possíveis de adquirir por segundo é finito e determinável é </a:t>
+            </a:r>
+            <a:r>
+              <a:rPr lang="pt-PT" baseline="0" dirty="0" err="1" smtClean="0"/>
+              <a:t>possivel</a:t>
+            </a:r>
+            <a:r>
+              <a:rPr lang="pt-PT" baseline="0" dirty="0" smtClean="0"/>
+              <a:t> calcular a duração relativa de uma nota.</a:t>
+            </a:r>
+            <a:endParaRPr lang="pt-PT" dirty="0" smtClean="0"/>
           </a:p>
         </p:txBody>
       </p:sp>
@@ -1330,7 +2140,7 @@
             <a:fld id="{6839BC13-A530-46E7-A1C3-5A5A03EA1F45}" type="slidenum">
               <a:rPr lang="pt-PT" smtClean="0"/>
               <a:pPr/>
-              <a:t>16</a:t>
+              <a:t>15</a:t>
             </a:fld>
             <a:endParaRPr lang="pt-PT"/>
           </a:p>
@@ -1392,99 +2202,173 @@
           <a:p>
             <a:r>
               <a:rPr lang="pt-PT" baseline="0" dirty="0" smtClean="0"/>
-              <a:t>Esses sistemas deveriam ter um conjunto de características pré definidas de forma a que tenham o menor impacto </a:t>
+              <a:t>A infra-estrutura foi desenhada e implementada na plataforma </a:t>
             </a:r>
             <a:r>
               <a:rPr lang="pt-PT" baseline="0" dirty="0" err="1" smtClean="0"/>
-              <a:t>possivel</a:t>
+              <a:t>windows</a:t>
             </a:r>
             <a:r>
               <a:rPr lang="pt-PT" baseline="0" dirty="0" smtClean="0"/>
-              <a:t> sobre a execução da infra-estrutura, essas foram:</a:t>
-            </a:r>
+              <a:t> de forma a aprovar as opções e soluções realizadas, após esta aprovação foram definidas os seguintes requisitos de portabilidade.</a:t>
+            </a:r>
+            <a:endParaRPr lang="pt-PT" baseline="0" dirty="0" smtClean="0"/>
           </a:p>
           <a:p>
             <a:r>
               <a:rPr lang="pt-PT" baseline="0" dirty="0" smtClean="0"/>
-              <a:t> - </a:t>
+              <a:t>Os requisitos da </a:t>
             </a:r>
             <a:r>
               <a:rPr lang="pt-PT" baseline="0" dirty="0" err="1" smtClean="0"/>
-              <a:t>Context</a:t>
-            </a:r>
+              <a:t>infra</a:t>
+            </a:r>
+            <a:r>
+              <a:rPr lang="pt-PT" baseline="0" dirty="0" smtClean="0"/>
+              <a:t> estrutura Goertzel são:</a:t>
+            </a:r>
+          </a:p>
+          <a:p>
+            <a:pPr marL="0" marR="0" indent="0" algn="l" defTabSz="914400" rtl="0" eaLnBrk="1" fontAlgn="auto" latinLnBrk="0" hangingPunct="1">
+              <a:lnSpc>
+                <a:spcPct val="100000"/>
+              </a:lnSpc>
+              <a:spcBef>
+                <a:spcPts val="0"/>
+              </a:spcBef>
+              <a:spcAft>
+                <a:spcPts val="0"/>
+              </a:spcAft>
+              <a:buClrTx/>
+              <a:buSzTx/>
+              <a:buFontTx/>
+              <a:buNone/>
+              <a:tabLst/>
+              <a:defRPr/>
+            </a:pPr>
+            <a:endParaRPr lang="pt-PT" baseline="0" dirty="0" smtClean="0"/>
+          </a:p>
+          <a:p>
+            <a:pPr marL="0" marR="0" indent="0" algn="l" defTabSz="914400" rtl="0" eaLnBrk="1" fontAlgn="auto" latinLnBrk="0" hangingPunct="1">
+              <a:lnSpc>
+                <a:spcPct val="100000"/>
+              </a:lnSpc>
+              <a:spcBef>
+                <a:spcPts val="0"/>
+              </a:spcBef>
+              <a:spcAft>
+                <a:spcPts val="0"/>
+              </a:spcAft>
+              <a:buClrTx/>
+              <a:buSzTx/>
+              <a:buFontTx/>
+              <a:buNone/>
+              <a:tabLst/>
+              <a:defRPr/>
+            </a:pPr>
+            <a:r>
+              <a:rPr lang="pt-PT" baseline="0" dirty="0" smtClean="0"/>
+              <a:t>- Aquisição de sinal – por razões obvias, já que é </a:t>
+            </a:r>
+            <a:r>
+              <a:rPr lang="pt-PT" baseline="0" dirty="0" err="1" smtClean="0"/>
+              <a:t>necessario</a:t>
+            </a:r>
+            <a:r>
+              <a:rPr lang="pt-PT" baseline="0" dirty="0" smtClean="0"/>
+              <a:t> existir um sinal para processar.</a:t>
+            </a:r>
+          </a:p>
+          <a:p>
+            <a:endParaRPr lang="pt-PT" baseline="0" dirty="0" smtClean="0"/>
+          </a:p>
+          <a:p>
+            <a:r>
+              <a:rPr lang="pt-PT" baseline="0" dirty="0" smtClean="0"/>
+              <a:t>- </a:t>
+            </a:r>
+            <a:r>
+              <a:rPr lang="pt-PT" dirty="0" smtClean="0"/>
+              <a:t>Suporte de aritmética decimal (</a:t>
+            </a:r>
+            <a:r>
+              <a:rPr lang="pt-PT" dirty="0" err="1" smtClean="0"/>
+              <a:t>float</a:t>
+            </a:r>
+            <a:r>
+              <a:rPr lang="pt-PT" dirty="0" smtClean="0"/>
+              <a:t>/</a:t>
+            </a:r>
+            <a:r>
+              <a:rPr lang="pt-PT" dirty="0" err="1" smtClean="0"/>
+              <a:t>double</a:t>
+            </a:r>
+            <a:r>
+              <a:rPr lang="pt-PT" dirty="0" smtClean="0"/>
+              <a:t>)</a:t>
+            </a:r>
+            <a:r>
+              <a:rPr lang="pt-PT" baseline="0" dirty="0" smtClean="0"/>
+              <a:t>, isto deve-se ao facto de haver operações decimais que não foram </a:t>
+            </a:r>
+            <a:r>
+              <a:rPr lang="pt-PT" baseline="0" dirty="0" err="1" smtClean="0"/>
+              <a:t>possiveis</a:t>
+            </a:r>
+            <a:r>
+              <a:rPr lang="pt-PT" baseline="0" dirty="0" smtClean="0"/>
+              <a:t> passar para inteiros, assim a infra-estrutura precisa de algo que suporte operações decimais seja por hardware ou software</a:t>
+            </a:r>
+            <a:endParaRPr lang="pt-PT" baseline="0" dirty="0" smtClean="0"/>
+          </a:p>
+          <a:p>
+            <a:endParaRPr lang="pt-PT" baseline="0" dirty="0" smtClean="0"/>
+          </a:p>
+          <a:p>
+            <a:r>
+              <a:rPr lang="pt-PT" baseline="0" dirty="0" smtClean="0"/>
+              <a:t>- Tem de existir um sistema que permite criar múltiplos fios de execução, para permitir </a:t>
+            </a:r>
+            <a:r>
+              <a:rPr lang="pt-PT" baseline="0" dirty="0" err="1" smtClean="0"/>
+              <a:t>multiplos</a:t>
+            </a:r>
+            <a:r>
+              <a:rPr lang="pt-PT" baseline="0" dirty="0" smtClean="0"/>
+              <a:t> filtros de </a:t>
+            </a:r>
+            <a:r>
+              <a:rPr lang="pt-PT" baseline="0" dirty="0" err="1" smtClean="0"/>
+              <a:t>goertzel</a:t>
+            </a:r>
+            <a:r>
+              <a:rPr lang="pt-PT" baseline="0" dirty="0" smtClean="0"/>
+              <a:t>.</a:t>
+            </a:r>
+          </a:p>
+          <a:p>
+            <a:pPr marL="0" marR="0" indent="0" algn="l" defTabSz="914400" rtl="0" eaLnBrk="1" fontAlgn="auto" latinLnBrk="0" hangingPunct="1">
+              <a:lnSpc>
+                <a:spcPct val="100000"/>
+              </a:lnSpc>
+              <a:spcBef>
+                <a:spcPts val="0"/>
+              </a:spcBef>
+              <a:spcAft>
+                <a:spcPts val="0"/>
+              </a:spcAft>
+              <a:buClrTx/>
+              <a:buSzTx/>
+              <a:buFontTx/>
+              <a:buNone/>
+              <a:tabLst/>
+              <a:defRPr/>
+            </a:pPr>
             <a:r>
               <a:rPr lang="pt-PT" baseline="0" dirty="0" smtClean="0"/>
               <a:t> </a:t>
             </a:r>
-            <a:r>
-              <a:rPr lang="pt-PT" baseline="0" dirty="0" err="1" smtClean="0"/>
-              <a:t>switch</a:t>
-            </a:r>
-            <a:r>
-              <a:rPr lang="pt-PT" baseline="0" dirty="0" smtClean="0"/>
-              <a:t> </a:t>
-            </a:r>
-            <a:r>
-              <a:rPr lang="pt-PT" baseline="0" dirty="0" err="1" smtClean="0"/>
-              <a:t>time</a:t>
-            </a:r>
-            <a:r>
-              <a:rPr lang="pt-PT" baseline="0" dirty="0" smtClean="0"/>
-              <a:t> – para um sistema multi-thread quanto mais rápido o </a:t>
-            </a:r>
-            <a:r>
-              <a:rPr lang="pt-PT" baseline="0" dirty="0" err="1" smtClean="0"/>
-              <a:t>ctx</a:t>
-            </a:r>
-            <a:r>
-              <a:rPr lang="pt-PT" baseline="0" dirty="0" smtClean="0"/>
-              <a:t> mais rápido é o tempo de resposta.</a:t>
-            </a:r>
-          </a:p>
-          <a:p>
-            <a:r>
-              <a:rPr lang="pt-PT" baseline="0" dirty="0" smtClean="0"/>
-              <a:t> - Baixa latência de interrupções – quanto menor o tempo que se esta a atender uma interrupção melhor.</a:t>
-            </a:r>
-          </a:p>
-          <a:p>
-            <a:r>
-              <a:rPr lang="pt-PT" baseline="0" dirty="0" smtClean="0"/>
-              <a:t> - Sincronização com interrupções activas – muito importante porque a infra-estrutura usa bastante sincronização.</a:t>
-            </a:r>
-          </a:p>
-          <a:p>
             <a:endParaRPr lang="pt-PT" baseline="0" dirty="0" smtClean="0"/>
-          </a:p>
-          <a:p>
-            <a:r>
-              <a:rPr lang="pt-PT" baseline="0" dirty="0" smtClean="0"/>
-              <a:t>Foram estudados os sistemas </a:t>
-            </a:r>
-            <a:r>
-              <a:rPr lang="pt-PT" baseline="0" dirty="0" err="1" smtClean="0"/>
-              <a:t>eCos</a:t>
-            </a:r>
-            <a:r>
-              <a:rPr lang="pt-PT" baseline="0" dirty="0" smtClean="0"/>
-              <a:t>, </a:t>
-            </a:r>
-            <a:r>
-              <a:rPr lang="pt-PT" baseline="0" dirty="0" err="1" smtClean="0"/>
-              <a:t>FreeRTOS</a:t>
-            </a:r>
-            <a:r>
-              <a:rPr lang="pt-PT" baseline="0" dirty="0" smtClean="0"/>
-              <a:t> e </a:t>
-            </a:r>
-            <a:r>
-              <a:rPr lang="pt-PT" baseline="0" dirty="0" err="1" smtClean="0"/>
-              <a:t>TNKernel</a:t>
-            </a:r>
-            <a:r>
-              <a:rPr lang="pt-PT" baseline="0" dirty="0" smtClean="0"/>
-              <a:t>. Todos inviabilizados por não cumprirem todos os pré-requisitos sendo então necessário</a:t>
-            </a:r>
           </a:p>
           <a:p>
             <a:endParaRPr lang="pt-PT" dirty="0"/>
@@ -1509,7 +2393,7 @@
             <a:fld id="{6839BC13-A530-46E7-A1C3-5A5A03EA1F45}" type="slidenum">
               <a:rPr lang="pt-PT" smtClean="0"/>
               <a:pPr/>
-              <a:t>19</a:t>
+              <a:t>16</a:t>
             </a:fld>
             <a:endParaRPr lang="pt-PT"/>
           </a:p>
@@ -1571,36 +2455,17 @@
           <a:p>
             <a:r>
               <a:rPr lang="pt-PT" dirty="0" smtClean="0"/>
-              <a:t>Explicar o teste</a:t>
+              <a:t>Descrever o slide.</a:t>
             </a:r>
           </a:p>
           <a:p>
             <a:r>
               <a:rPr lang="pt-PT" dirty="0" smtClean="0"/>
-              <a:t>Explicar o </a:t>
-            </a:r>
-            <a:r>
-              <a:rPr lang="pt-PT" dirty="0" err="1" smtClean="0"/>
-              <a:t>threshold</a:t>
-            </a:r>
-            <a:endParaRPr lang="pt-PT" dirty="0" smtClean="0"/>
-          </a:p>
-          <a:p>
-            <a:r>
-              <a:rPr lang="pt-PT" dirty="0" smtClean="0"/>
-              <a:t>Dizer que</a:t>
+              <a:t>No projecto apenas</a:t>
             </a:r>
             <a:r>
               <a:rPr lang="pt-PT" baseline="0" dirty="0" smtClean="0"/>
-              <a:t> os resultados são iguais </a:t>
-            </a:r>
-            <a:r>
-              <a:rPr lang="pt-PT" baseline="0" dirty="0" err="1" smtClean="0"/>
-              <a:t>pa</a:t>
-            </a:r>
-            <a:r>
-              <a:rPr lang="pt-PT" baseline="0" dirty="0" smtClean="0"/>
-              <a:t> ambos</a:t>
+              <a:t> foi utilizado o ADC, LCD e o processador.</a:t>
             </a:r>
             <a:endParaRPr lang="pt-PT" dirty="0"/>
           </a:p>
@@ -1624,7 +2489,7 @@
             <a:fld id="{6839BC13-A530-46E7-A1C3-5A5A03EA1F45}" type="slidenum">
               <a:rPr lang="pt-PT" smtClean="0"/>
               <a:pPr/>
-              <a:t>20</a:t>
+              <a:t>17</a:t>
             </a:fld>
             <a:endParaRPr lang="pt-PT"/>
           </a:p>
@@ -1686,8 +2551,149 @@
           <a:p>
             <a:r>
               <a:rPr lang="pt-PT" dirty="0" smtClean="0"/>
-              <a:t>Explicar o teste</a:t>
-            </a:r>
+              <a:t>Quando foi iniciado o </a:t>
+            </a:r>
+            <a:r>
+              <a:rPr lang="pt-PT" dirty="0" err="1" smtClean="0"/>
+              <a:t>port</a:t>
+            </a:r>
+            <a:r>
+              <a:rPr lang="pt-PT" baseline="0" dirty="0" smtClean="0"/>
+              <a:t> da infra-estrutura para a arquitectura ARM, optou-se por utilizar um sistema operativo de forma a abstrair a aplicação do hardware.</a:t>
+            </a:r>
+          </a:p>
+          <a:p>
+            <a:pPr algn="l"/>
+            <a:endParaRPr lang="pt-PT" dirty="0" smtClean="0"/>
+          </a:p>
+          <a:p>
+            <a:pPr marL="0" marR="0" indent="0" algn="l" defTabSz="914400" rtl="0" eaLnBrk="1" fontAlgn="auto" latinLnBrk="0" hangingPunct="1">
+              <a:lnSpc>
+                <a:spcPct val="100000"/>
+              </a:lnSpc>
+              <a:spcBef>
+                <a:spcPts val="0"/>
+              </a:spcBef>
+              <a:spcAft>
+                <a:spcPts val="0"/>
+              </a:spcAft>
+              <a:buClrTx/>
+              <a:buSzTx/>
+              <a:buFontTx/>
+              <a:buNone/>
+              <a:tabLst/>
+              <a:defRPr/>
+            </a:pPr>
+            <a:r>
+              <a:rPr lang="pt-PT" dirty="0" smtClean="0"/>
+              <a:t>Tempo de comutação das tarefas</a:t>
+            </a:r>
+            <a:r>
+              <a:rPr lang="pt-PT" baseline="0" dirty="0" smtClean="0"/>
+              <a:t> e baixa latência de interrupções – quanto mais tempo o sistema estiver a correr código que não seja da infra-estrutura menor será o tempo que a infra-estrutura estará a correr e a processar o sinal.</a:t>
+            </a:r>
+          </a:p>
+          <a:p>
+            <a:pPr marL="0" marR="0" indent="0" algn="l" defTabSz="914400" rtl="0" eaLnBrk="1" fontAlgn="auto" latinLnBrk="0" hangingPunct="1">
+              <a:lnSpc>
+                <a:spcPct val="100000"/>
+              </a:lnSpc>
+              <a:spcBef>
+                <a:spcPts val="0"/>
+              </a:spcBef>
+              <a:spcAft>
+                <a:spcPts val="0"/>
+              </a:spcAft>
+              <a:buClrTx/>
+              <a:buSzTx/>
+              <a:buFontTx/>
+              <a:buNone/>
+              <a:tabLst/>
+              <a:defRPr/>
+            </a:pPr>
+            <a:endParaRPr lang="pt-PT" baseline="0" dirty="0" smtClean="0"/>
+          </a:p>
+          <a:p>
+            <a:pPr marL="0" marR="0" indent="0" algn="l" defTabSz="914400" rtl="0" eaLnBrk="1" fontAlgn="auto" latinLnBrk="0" hangingPunct="1">
+              <a:lnSpc>
+                <a:spcPct val="100000"/>
+              </a:lnSpc>
+              <a:spcBef>
+                <a:spcPts val="0"/>
+              </a:spcBef>
+              <a:spcAft>
+                <a:spcPts val="0"/>
+              </a:spcAft>
+              <a:buClrTx/>
+              <a:buSzTx/>
+              <a:buFontTx/>
+              <a:buNone/>
+              <a:tabLst/>
+              <a:defRPr/>
+            </a:pPr>
+            <a:r>
+              <a:rPr lang="pt-PT" dirty="0" smtClean="0"/>
+              <a:t>Sincronização com interrupções activas – este factor é importante uma</a:t>
+            </a:r>
+            <a:r>
+              <a:rPr lang="pt-PT" baseline="0" dirty="0" smtClean="0"/>
+              <a:t> vez que a infra-estrutura utiliza vários mecanismos de sincronização, assim caso o sistema de aquisição de sinal utilize interrupções , poderá existir amostras que não são adquiridas no momento devido.</a:t>
+            </a:r>
+            <a:endParaRPr lang="pt-PT" dirty="0" smtClean="0"/>
+          </a:p>
+          <a:p>
+            <a:pPr algn="l"/>
+            <a:endParaRPr lang="pt-PT" dirty="0" smtClean="0"/>
+          </a:p>
+          <a:p>
+            <a:pPr marL="0" marR="0" indent="0" algn="l" defTabSz="914400" rtl="0" eaLnBrk="1" fontAlgn="auto" latinLnBrk="0" hangingPunct="1">
+              <a:lnSpc>
+                <a:spcPct val="100000"/>
+              </a:lnSpc>
+              <a:spcBef>
+                <a:spcPts val="0"/>
+              </a:spcBef>
+              <a:spcAft>
+                <a:spcPts val="0"/>
+              </a:spcAft>
+              <a:buClrTx/>
+              <a:buSzTx/>
+              <a:buFontTx/>
+              <a:buNone/>
+              <a:tabLst/>
+              <a:defRPr/>
+            </a:pPr>
+            <a:r>
+              <a:rPr lang="pt-PT" baseline="0" dirty="0" smtClean="0"/>
+              <a:t>Foram estudados os sistemas </a:t>
+            </a:r>
+            <a:r>
+              <a:rPr lang="pt-PT" baseline="0" dirty="0" err="1" smtClean="0"/>
+              <a:t>eCos</a:t>
+            </a:r>
+            <a:r>
+              <a:rPr lang="pt-PT" baseline="0" dirty="0" smtClean="0"/>
+              <a:t>, </a:t>
+            </a:r>
+            <a:r>
+              <a:rPr lang="pt-PT" baseline="0" dirty="0" err="1" smtClean="0"/>
+              <a:t>FreeRTOS</a:t>
+            </a:r>
+            <a:r>
+              <a:rPr lang="pt-PT" baseline="0" dirty="0" smtClean="0"/>
+              <a:t> e </a:t>
+            </a:r>
+            <a:r>
+              <a:rPr lang="pt-PT" baseline="0" dirty="0" err="1" smtClean="0"/>
+              <a:t>TNKernel</a:t>
+            </a:r>
+            <a:r>
+              <a:rPr lang="pt-PT" baseline="0" dirty="0" smtClean="0"/>
+              <a:t>. Todos inviabilizados por não cumprirem todos os pré-requisitos sendo então necessário</a:t>
+            </a:r>
+          </a:p>
+          <a:p>
+            <a:pPr algn="l"/>
             <a:endParaRPr lang="pt-PT" dirty="0"/>
           </a:p>
         </p:txBody>
@@ -1710,7 +2716,7 @@
             <a:fld id="{6839BC13-A530-46E7-A1C3-5A5A03EA1F45}" type="slidenum">
               <a:rPr lang="pt-PT" smtClean="0"/>
               <a:pPr/>
-              <a:t>22</a:t>
+              <a:t>18</a:t>
             </a:fld>
             <a:endParaRPr lang="pt-PT"/>
           </a:p>
@@ -1770,6 +2776,155 @@
           </a:bodyPr>
           <a:lstStyle/>
           <a:p>
+            <a:r>
+              <a:rPr lang="pt-PT" dirty="0" smtClean="0"/>
+              <a:t>O mos está dividido em três camadas,</a:t>
+            </a:r>
+            <a:r>
+              <a:rPr lang="pt-PT" baseline="0" dirty="0" smtClean="0"/>
+              <a:t> System, Kernel e HAL.</a:t>
+            </a:r>
+          </a:p>
+          <a:p>
+            <a:endParaRPr lang="pt-PT" baseline="0" dirty="0" smtClean="0"/>
+          </a:p>
+          <a:p>
+            <a:r>
+              <a:rPr lang="pt-PT" baseline="0" dirty="0" smtClean="0"/>
+              <a:t>System – A interface programática do sistema, será a ponte entre o sistema e a aplicação.</a:t>
+            </a:r>
+          </a:p>
+          <a:p>
+            <a:endParaRPr lang="pt-PT" baseline="0" dirty="0" smtClean="0"/>
+          </a:p>
+          <a:p>
+            <a:r>
+              <a:rPr lang="pt-PT" baseline="0" dirty="0" smtClean="0"/>
+              <a:t>Kernel – onde todos os outros requisitos referidos anteriormente foram cumpridos, o </a:t>
+            </a:r>
+            <a:r>
+              <a:rPr lang="pt-PT" baseline="0" dirty="0" err="1" smtClean="0"/>
+              <a:t>context</a:t>
+            </a:r>
+            <a:r>
+              <a:rPr lang="pt-PT" baseline="0" dirty="0" smtClean="0"/>
+              <a:t> </a:t>
+            </a:r>
+            <a:r>
+              <a:rPr lang="pt-PT" baseline="0" dirty="0" err="1" smtClean="0"/>
+              <a:t>switch</a:t>
+            </a:r>
+            <a:r>
+              <a:rPr lang="pt-PT" baseline="0" dirty="0" smtClean="0"/>
+              <a:t> dura 2 micros, 3 micros mais rápidos que o </a:t>
+            </a:r>
+            <a:r>
+              <a:rPr lang="pt-PT" baseline="0" dirty="0" err="1" smtClean="0"/>
+              <a:t>TNKernel</a:t>
+            </a:r>
+            <a:r>
+              <a:rPr lang="pt-PT" baseline="0" dirty="0" smtClean="0"/>
+              <a:t> e o </a:t>
+            </a:r>
+            <a:r>
+              <a:rPr lang="pt-PT" baseline="0" dirty="0" err="1" smtClean="0"/>
+              <a:t>FreeRTOS</a:t>
+            </a:r>
+            <a:r>
+              <a:rPr lang="pt-PT" baseline="0" dirty="0" smtClean="0"/>
+              <a:t>.</a:t>
+            </a:r>
+          </a:p>
+          <a:p>
+            <a:endParaRPr lang="pt-PT" baseline="0" dirty="0" smtClean="0"/>
+          </a:p>
+          <a:p>
+            <a:r>
+              <a:rPr lang="pt-PT" baseline="0" dirty="0" smtClean="0"/>
+              <a:t>Para resolver a latência das interrupções utilizou-se uma estratégia semelhante à do </a:t>
+            </a:r>
+            <a:r>
+              <a:rPr lang="pt-PT" baseline="0" dirty="0" err="1" smtClean="0"/>
+              <a:t>eCos</a:t>
+            </a:r>
+            <a:r>
+              <a:rPr lang="pt-PT" baseline="0" dirty="0" smtClean="0"/>
+              <a:t> em que o processamento demorado é delegado para uma tarefa do sistema, onde esta é já executada com as interrupções activas.</a:t>
+            </a:r>
+          </a:p>
+          <a:p>
+            <a:endParaRPr lang="pt-PT" dirty="0" smtClean="0"/>
+          </a:p>
+          <a:p>
+            <a:r>
+              <a:rPr lang="pt-PT" dirty="0" smtClean="0"/>
+              <a:t>Sincronização com</a:t>
+            </a:r>
+            <a:r>
+              <a:rPr lang="pt-PT" baseline="0" dirty="0" smtClean="0"/>
+              <a:t> interrupções activas foi resolvido através de um </a:t>
+            </a:r>
+            <a:r>
+              <a:rPr lang="pt-PT" baseline="0" dirty="0" err="1" smtClean="0"/>
+              <a:t>lock</a:t>
+            </a:r>
+            <a:r>
+              <a:rPr lang="pt-PT" baseline="0" dirty="0" smtClean="0"/>
+              <a:t> de sistema, este é adquirido pelas tarefas, inviabilizando assim as funções de sistema de mexer em várias criticas.</a:t>
+            </a:r>
+          </a:p>
+          <a:p>
+            <a:endParaRPr lang="pt-PT" baseline="0" dirty="0" smtClean="0"/>
+          </a:p>
+          <a:p>
+            <a:r>
+              <a:rPr lang="pt-PT" baseline="0" dirty="0" err="1" smtClean="0"/>
+              <a:t>Hal</a:t>
+            </a:r>
+            <a:r>
+              <a:rPr lang="pt-PT" baseline="0" dirty="0" smtClean="0"/>
+              <a:t>, dividido em outras </a:t>
+            </a:r>
+            <a:r>
+              <a:rPr lang="pt-PT" baseline="0" dirty="0" err="1" smtClean="0"/>
+              <a:t>sub</a:t>
+            </a:r>
+            <a:r>
+              <a:rPr lang="pt-PT" baseline="0" dirty="0" smtClean="0"/>
+              <a:t> camadas, </a:t>
+            </a:r>
+          </a:p>
+          <a:p>
+            <a:r>
+              <a:rPr lang="pt-PT" baseline="0" dirty="0" smtClean="0"/>
+              <a:t>Arquitectura – onde toda a abstracção à arquitectura está realizada, nesta está presente funções como o </a:t>
+            </a:r>
+            <a:r>
+              <a:rPr lang="pt-PT" baseline="0" dirty="0" err="1" smtClean="0"/>
+              <a:t>context</a:t>
+            </a:r>
+            <a:r>
+              <a:rPr lang="pt-PT" baseline="0" dirty="0" smtClean="0"/>
+              <a:t> </a:t>
+            </a:r>
+            <a:r>
+              <a:rPr lang="pt-PT" baseline="0" dirty="0" err="1" smtClean="0"/>
+              <a:t>switch</a:t>
+            </a:r>
+            <a:r>
+              <a:rPr lang="pt-PT" baseline="0" dirty="0" smtClean="0"/>
+              <a:t>, atendimento a interrupções etc.</a:t>
+            </a:r>
+          </a:p>
+          <a:p>
+            <a:r>
+              <a:rPr lang="pt-PT" baseline="0" dirty="0" err="1" smtClean="0"/>
+              <a:t>Target</a:t>
+            </a:r>
+            <a:r>
+              <a:rPr lang="pt-PT" baseline="0" dirty="0" smtClean="0"/>
+              <a:t> – onde está implementado o acesso aos periféricos e interfaces do especificas do sistema </a:t>
+            </a:r>
             <a:endParaRPr lang="pt-PT" dirty="0"/>
           </a:p>
         </p:txBody>
@@ -1792,7 +2947,7 @@
             <a:fld id="{6839BC13-A530-46E7-A1C3-5A5A03EA1F45}" type="slidenum">
               <a:rPr lang="pt-PT" smtClean="0"/>
               <a:pPr/>
-              <a:t>25</a:t>
+              <a:t>19</a:t>
             </a:fld>
             <a:endParaRPr lang="pt-PT"/>
           </a:p>
@@ -2465,7 +3620,7 @@
             <a:fld id="{188E8597-5D1D-4C78-A606-E95ECB36E17C}" type="datetimeFigureOut">
               <a:rPr lang="pt-PT" smtClean="0"/>
               <a:pPr/>
-              <a:t>27-09-2011</a:t>
+              <a:t>28-09-2011</a:t>
             </a:fld>
             <a:endParaRPr lang="pt-PT"/>
           </a:p>
@@ -2650,7 +3805,7 @@
             <a:fld id="{188E8597-5D1D-4C78-A606-E95ECB36E17C}" type="datetimeFigureOut">
               <a:rPr lang="pt-PT" smtClean="0"/>
               <a:pPr/>
-              <a:t>27-09-2011</a:t>
+              <a:t>28-09-2011</a:t>
             </a:fld>
             <a:endParaRPr lang="pt-PT"/>
           </a:p>
@@ -2827,7 +3982,7 @@
             <a:fld id="{188E8597-5D1D-4C78-A606-E95ECB36E17C}" type="datetimeFigureOut">
               <a:rPr lang="pt-PT" smtClean="0"/>
               <a:pPr/>
-              <a:t>27-09-2011</a:t>
+              <a:t>28-09-2011</a:t>
             </a:fld>
             <a:endParaRPr lang="pt-PT"/>
           </a:p>
@@ -2994,7 +4149,7 @@
             <a:fld id="{188E8597-5D1D-4C78-A606-E95ECB36E17C}" type="datetimeFigureOut">
               <a:rPr lang="pt-PT" smtClean="0"/>
               <a:pPr/>
-              <a:t>27-09-2011</a:t>
+              <a:t>28-09-2011</a:t>
             </a:fld>
             <a:endParaRPr lang="pt-PT"/>
           </a:p>
@@ -3217,7 +4372,7 @@
             <a:fld id="{188E8597-5D1D-4C78-A606-E95ECB36E17C}" type="datetimeFigureOut">
               <a:rPr lang="pt-PT" smtClean="0"/>
               <a:pPr/>
-              <a:t>27-09-2011</a:t>
+              <a:t>28-09-2011</a:t>
             </a:fld>
             <a:endParaRPr lang="pt-PT"/>
           </a:p>
@@ -3478,7 +4633,7 @@
             <a:fld id="{188E8597-5D1D-4C78-A606-E95ECB36E17C}" type="datetimeFigureOut">
               <a:rPr lang="pt-PT" smtClean="0"/>
               <a:pPr/>
-              <a:t>27-09-2011</a:t>
+              <a:t>28-09-2011</a:t>
             </a:fld>
             <a:endParaRPr lang="pt-PT"/>
           </a:p>
@@ -3884,7 +5039,7 @@
             <a:fld id="{188E8597-5D1D-4C78-A606-E95ECB36E17C}" type="datetimeFigureOut">
               <a:rPr lang="pt-PT" smtClean="0"/>
               <a:pPr/>
-              <a:t>27-09-2011</a:t>
+              <a:t>28-09-2011</a:t>
             </a:fld>
             <a:endParaRPr lang="pt-PT"/>
           </a:p>
@@ -4017,7 +5172,7 @@
             <a:fld id="{188E8597-5D1D-4C78-A606-E95ECB36E17C}" type="datetimeFigureOut">
               <a:rPr lang="pt-PT" smtClean="0"/>
               <a:pPr/>
-              <a:t>27-09-2011</a:t>
+              <a:t>28-09-2011</a:t>
             </a:fld>
             <a:endParaRPr lang="pt-PT"/>
           </a:p>
@@ -4119,7 +5274,7 @@
             <a:fld id="{188E8597-5D1D-4C78-A606-E95ECB36E17C}" type="datetimeFigureOut">
               <a:rPr lang="pt-PT" smtClean="0"/>
               <a:pPr/>
-              <a:t>27-09-2011</a:t>
+              <a:t>28-09-2011</a:t>
             </a:fld>
             <a:endParaRPr lang="pt-PT"/>
           </a:p>
@@ -4366,7 +5521,7 @@
             <a:fld id="{188E8597-5D1D-4C78-A606-E95ECB36E17C}" type="datetimeFigureOut">
               <a:rPr lang="pt-PT" smtClean="0"/>
               <a:pPr/>
-              <a:t>27-09-2011</a:t>
+              <a:t>28-09-2011</a:t>
             </a:fld>
             <a:endParaRPr lang="pt-PT"/>
           </a:p>
@@ -4612,7 +5767,7 @@
             <a:fld id="{188E8597-5D1D-4C78-A606-E95ECB36E17C}" type="datetimeFigureOut">
               <a:rPr lang="pt-PT" smtClean="0"/>
               <a:pPr/>
-              <a:t>27-09-2011</a:t>
+              <a:t>28-09-2011</a:t>
             </a:fld>
             <a:endParaRPr lang="pt-PT"/>
           </a:p>
@@ -5438,7 +6593,7 @@
             <a:fld id="{188E8597-5D1D-4C78-A606-E95ECB36E17C}" type="datetimeFigureOut">
               <a:rPr lang="pt-PT" smtClean="0"/>
               <a:pPr/>
-              <a:t>27-09-2011</a:t>
+              <a:t>28-09-2011</a:t>
             </a:fld>
             <a:endParaRPr lang="pt-PT"/>
           </a:p>
@@ -6734,7 +7889,7 @@
           <p:nvPr/>
         </p:nvPicPr>
         <p:blipFill>
-          <a:blip r:embed="rId2" cstate="print"/>
+          <a:blip r:embed="rId3" cstate="print"/>
           <a:srcRect/>
           <a:stretch>
             <a:fillRect/>
@@ -7069,8 +8224,13 @@
             </a:pPr>
             <a:r>
               <a:rPr lang="pt-PT" dirty="0" smtClean="0"/>
-              <a:t>Infra-estrutura de aquisição de sinal.</a:t>
-            </a:r>
+              <a:t>Infra-estrutura de aquisição de </a:t>
+            </a:r>
+            <a:r>
+              <a:rPr lang="pt-PT" dirty="0" smtClean="0"/>
+              <a:t>sinal</a:t>
+            </a:r>
+            <a:endParaRPr lang="pt-PT" dirty="0" smtClean="0"/>
           </a:p>
           <a:p>
             <a:pPr>
@@ -7096,8 +8256,9 @@
             </a:r>
             <a:r>
               <a:rPr lang="pt-PT" dirty="0" smtClean="0"/>
-              <a:t>).</a:t>
-            </a:r>
+              <a:t>)</a:t>
+            </a:r>
+            <a:endParaRPr lang="pt-PT" dirty="0" smtClean="0"/>
           </a:p>
           <a:p>
             <a:pPr>
@@ -7107,8 +8268,13 @@
             </a:pPr>
             <a:r>
               <a:rPr lang="pt-PT" dirty="0" smtClean="0"/>
-              <a:t>Existir um sistema que permita criar múltiplos fios de execução. </a:t>
-            </a:r>
+              <a:t>Existir um sistema que permita criar múltiplos fios de </a:t>
+            </a:r>
+            <a:r>
+              <a:rPr lang="pt-PT" dirty="0" smtClean="0"/>
+              <a:t>execução</a:t>
+            </a:r>
+            <a:endParaRPr lang="pt-PT" dirty="0" smtClean="0"/>
           </a:p>
         </p:txBody>
       </p:sp>
@@ -7329,7 +8495,7 @@
           <p:nvPr/>
         </p:nvPicPr>
         <p:blipFill>
-          <a:blip r:embed="rId2" cstate="print"/>
+          <a:blip r:embed="rId3" cstate="print"/>
           <a:srcRect/>
           <a:stretch>
             <a:fillRect/>
@@ -8165,19 +9331,19 @@
           <p:nvPr/>
         </p:nvGraphicFramePr>
         <p:xfrm>
-          <a:off x="611560" y="2393505"/>
-          <a:ext cx="7776864" cy="4571250"/>
+          <a:off x="899592" y="2348880"/>
+          <a:ext cx="6696745" cy="4190718"/>
         </p:xfrm>
         <a:graphic>
           <a:graphicData uri="http://schemas.openxmlformats.org/drawingml/2006/table">
             <a:tbl>
               <a:tblPr/>
               <a:tblGrid>
-                <a:gridCol w="2591988"/>
-                <a:gridCol w="2591988"/>
-                <a:gridCol w="2592888"/>
+                <a:gridCol w="2231990"/>
+                <a:gridCol w="2231990"/>
+                <a:gridCol w="2232765"/>
               </a:tblGrid>
-              <a:tr h="867035">
+              <a:tr h="1604284">
                 <a:tc>
                   <a:txBody>
                     <a:bodyPr/>
@@ -8362,7 +9528,7 @@
                   </a:tcPr>
                 </a:tc>
               </a:tr>
-              <a:tr h="556135">
+              <a:tr h="424133">
                 <a:tc>
                   <a:txBody>
                     <a:bodyPr/>
@@ -8514,7 +9680,7 @@
                   </a:tcPr>
                 </a:tc>
               </a:tr>
-              <a:tr h="556135">
+              <a:tr h="424133">
                 <a:tc>
                   <a:txBody>
                     <a:bodyPr/>
@@ -8639,7 +9805,7 @@
                   </a:tcPr>
                 </a:tc>
               </a:tr>
-              <a:tr h="556135">
+              <a:tr h="424133">
                 <a:tc>
                   <a:txBody>
                     <a:bodyPr/>
@@ -8773,7 +9939,7 @@
                   </a:tcPr>
                 </a:tc>
               </a:tr>
-              <a:tr h="556135">
+              <a:tr h="424133">
                 <a:tc>
                   <a:txBody>
                     <a:bodyPr/>
@@ -8898,7 +10064,7 @@
                   </a:tcPr>
                 </a:tc>
               </a:tr>
-              <a:tr h="556135">
+              <a:tr h="424133">
                 <a:tc>
                   <a:txBody>
                     <a:bodyPr/>
@@ -9032,7 +10198,7 @@
                   </a:tcPr>
                 </a:tc>
               </a:tr>
-              <a:tr h="556135">
+              <a:tr h="424133">
                 <a:tc>
                   <a:txBody>
                     <a:bodyPr/>
@@ -9247,19 +10413,19 @@
           </p:nvPr>
         </p:nvGraphicFramePr>
         <p:xfrm>
-          <a:off x="467544" y="2420888"/>
-          <a:ext cx="7920881" cy="4629108"/>
+          <a:off x="971600" y="2492896"/>
+          <a:ext cx="6480721" cy="4114800"/>
         </p:xfrm>
         <a:graphic>
           <a:graphicData uri="http://schemas.openxmlformats.org/drawingml/2006/table">
             <a:tbl>
               <a:tblPr/>
               <a:tblGrid>
-                <a:gridCol w="2639988"/>
-                <a:gridCol w="2639988"/>
-                <a:gridCol w="2640905"/>
+                <a:gridCol w="2159990"/>
+                <a:gridCol w="2159990"/>
+                <a:gridCol w="2160741"/>
               </a:tblGrid>
-              <a:tr h="565778">
+              <a:tr h="1596644">
                 <a:tc>
                   <a:txBody>
                     <a:bodyPr/>
@@ -9453,7 +10619,7 @@
                   </a:tcPr>
                 </a:tc>
               </a:tr>
-              <a:tr h="565778">
+              <a:tr h="406436">
                 <a:tc>
                   <a:txBody>
                     <a:bodyPr/>
@@ -9605,7 +10771,7 @@
                   </a:tcPr>
                 </a:tc>
               </a:tr>
-              <a:tr h="565778">
+              <a:tr h="406436">
                 <a:tc>
                   <a:txBody>
                     <a:bodyPr/>
@@ -9730,7 +10896,7 @@
                   </a:tcPr>
                 </a:tc>
               </a:tr>
-              <a:tr h="565778">
+              <a:tr h="406436">
                 <a:tc>
                   <a:txBody>
                     <a:bodyPr/>
@@ -9864,7 +11030,7 @@
                   </a:tcPr>
                 </a:tc>
               </a:tr>
-              <a:tr h="565778">
+              <a:tr h="406436">
                 <a:tc>
                   <a:txBody>
                     <a:bodyPr/>
@@ -9989,7 +11155,7 @@
                   </a:tcPr>
                 </a:tc>
               </a:tr>
-              <a:tr h="565778">
+              <a:tr h="406436">
                 <a:tc>
                   <a:txBody>
                     <a:bodyPr/>
@@ -10123,7 +11289,7 @@
                   </a:tcPr>
                 </a:tc>
               </a:tr>
-              <a:tr h="565778">
+              <a:tr h="406436">
                 <a:tc>
                   <a:txBody>
                     <a:bodyPr/>
@@ -12186,7 +13352,7 @@
           </p:nvPr>
         </p:nvPicPr>
         <p:blipFill>
-          <a:blip r:embed="rId2" cstate="print"/>
+          <a:blip r:embed="rId3" cstate="print"/>
           <a:srcRect/>
           <a:stretch>
             <a:fillRect/>
@@ -12429,8 +13595,8 @@
           <p:nvPr/>
         </p:nvGraphicFramePr>
         <p:xfrm>
-          <a:off x="827583" y="4365104"/>
-          <a:ext cx="7272809" cy="2405607"/>
+          <a:off x="827584" y="4509120"/>
+          <a:ext cx="7272809" cy="2119462"/>
         </p:xfrm>
         <a:graphic>
           <a:graphicData uri="http://schemas.openxmlformats.org/drawingml/2006/table">
@@ -12443,7 +13609,7 @@
                 <a:gridCol w="1454730"/>
                 <a:gridCol w="1454730"/>
               </a:tblGrid>
-              <a:tr h="558581">
+              <a:tr h="474980">
                 <a:tc>
                   <a:txBody>
                     <a:bodyPr/>
@@ -12739,7 +13905,7 @@
                   </a:tcPr>
                 </a:tc>
               </a:tr>
-              <a:tr h="512033">
+              <a:tr h="435399">
                 <a:tc>
                   <a:txBody>
                     <a:bodyPr/>
@@ -12999,7 +14165,7 @@
                   </a:tcPr>
                 </a:tc>
               </a:tr>
-              <a:tr h="701604">
+              <a:tr h="699790">
                 <a:tc>
                   <a:txBody>
                     <a:bodyPr/>
@@ -13214,7 +14380,7 @@
                   </a:tcPr>
                 </a:tc>
               </a:tr>
-              <a:tr h="512033">
+              <a:tr h="435399">
                 <a:tc>
                   <a:txBody>
                     <a:bodyPr/>
@@ -13287,7 +14453,7 @@
                         </a:spcAft>
                       </a:pPr>
                       <a:r>
-                        <a:rPr lang="pt-PT" sz="1800">
+                        <a:rPr lang="pt-PT" sz="1800" dirty="0">
                           <a:solidFill>
                             <a:srgbClr val="000000"/>
                           </a:solidFill>
@@ -13763,7 +14929,15 @@
           <a:p>
             <a:r>
               <a:rPr lang="pt-PT" dirty="0" smtClean="0"/>
-              <a:t>Aplicação para projecto de filtros</a:t>
+              <a:t>Aplicação </a:t>
+            </a:r>
+            <a:r>
+              <a:rPr lang="pt-PT" dirty="0" smtClean="0"/>
+              <a:t>de parametrização de </a:t>
+            </a:r>
+            <a:r>
+              <a:rPr lang="pt-PT" dirty="0" smtClean="0"/>
+              <a:t>filtros</a:t>
             </a:r>
           </a:p>
           <a:p>
@@ -13805,16 +14979,33 @@
             <a:pPr lvl="1"/>
             <a:r>
               <a:rPr lang="pt-PT" dirty="0" smtClean="0"/>
-              <a:t>Em ARM7, com SO dedicado desenvolvido</a:t>
-            </a:r>
-          </a:p>
-          <a:p>
+              <a:t>Em ARM7, com SO dedicado </a:t>
+            </a:r>
+            <a:r>
+              <a:rPr lang="pt-PT" dirty="0" smtClean="0"/>
+              <a:t>desenvolvido(mos)</a:t>
+            </a:r>
             <a:endParaRPr lang="pt-PT" dirty="0" smtClean="0"/>
           </a:p>
           <a:p>
+            <a:endParaRPr lang="pt-PT" dirty="0" smtClean="0"/>
+          </a:p>
+          <a:p>
             <a:r>
               <a:rPr lang="pt-PT" dirty="0" smtClean="0"/>
-              <a:t>Código em C++ para eficiência e portabilidade</a:t>
+              <a:t>Código em </a:t>
+            </a:r>
+            <a:r>
+              <a:rPr lang="pt-PT" dirty="0" smtClean="0"/>
+              <a:t>C/</a:t>
+            </a:r>
+            <a:r>
+              <a:rPr lang="pt-PT" dirty="0" smtClean="0"/>
+              <a:t>C</a:t>
+            </a:r>
+            <a:r>
+              <a:rPr lang="pt-PT" dirty="0" smtClean="0"/>
+              <a:t>++ para eficiência e portabilidade</a:t>
             </a:r>
           </a:p>
           <a:p>
@@ -15351,7 +16542,7 @@
         </p:blipFill>
         <p:spPr bwMode="auto">
           <a:xfrm>
-            <a:off x="4644008" y="3573016"/>
+            <a:off x="4644008" y="2708920"/>
             <a:ext cx="4499992" cy="3284984"/>
           </a:xfrm>
           <a:prstGeom prst="rect">
@@ -15404,7 +16595,7 @@
         <p:spPr/>
         <p:txBody>
           <a:bodyPr>
-            <a:normAutofit fontScale="92500" lnSpcReduction="10000"/>
+            <a:normAutofit/>
           </a:bodyPr>
           <a:lstStyle/>
           <a:p>
@@ -15451,7 +16642,11 @@
             <a:pPr lvl="1"/>
             <a:r>
               <a:rPr lang="pt-PT" dirty="0" smtClean="0"/>
-              <a:t>Y[n] = </a:t>
+              <a:t>Y[n] </a:t>
+            </a:r>
+            <a:r>
+              <a:rPr lang="pt-PT" dirty="0" smtClean="0"/>
+              <a:t>= </a:t>
             </a:r>
             <a:r>
               <a:rPr lang="pt-PT" dirty="0" err="1" smtClean="0"/>
@@ -15459,64 +16654,29 @@
             </a:r>
             <a:r>
               <a:rPr lang="pt-PT" dirty="0" smtClean="0"/>
-              <a:t> * Q</a:t>
-            </a:r>
-            <a:r>
-              <a:rPr lang="pt-PT" sz="1600" dirty="0" smtClean="0"/>
-              <a:t>1</a:t>
+              <a:t> * </a:t>
             </a:r>
             <a:r>
               <a:rPr lang="pt-PT" dirty="0" smtClean="0"/>
-              <a:t> – Q</a:t>
-            </a:r>
-            <a:r>
-              <a:rPr lang="pt-PT" sz="1600" dirty="0" smtClean="0"/>
-              <a:t>2</a:t>
+              <a:t>Y[n-1] </a:t>
             </a:r>
             <a:r>
               <a:rPr lang="pt-PT" dirty="0" smtClean="0"/>
-              <a:t> + x[n]</a:t>
-            </a:r>
-          </a:p>
-          <a:p>
-            <a:pPr lvl="1"/>
+              <a:t>– </a:t>
+            </a:r>
             <a:r>
               <a:rPr lang="pt-PT" dirty="0" smtClean="0"/>
-              <a:t>Q</a:t>
-            </a:r>
-            <a:r>
-              <a:rPr lang="pt-PT" sz="1600" dirty="0" smtClean="0"/>
-              <a:t>2</a:t>
+              <a:t>Y[n-2] </a:t>
             </a:r>
             <a:r>
               <a:rPr lang="pt-PT" dirty="0" smtClean="0"/>
-              <a:t> = Q</a:t>
-            </a:r>
-            <a:r>
-              <a:rPr lang="pt-PT" sz="1600" dirty="0" smtClean="0"/>
-              <a:t>1</a:t>
+              <a:t>+ x[n</a:t>
+            </a:r>
+            <a:r>
+              <a:rPr lang="pt-PT" dirty="0" smtClean="0"/>
+              <a:t>]</a:t>
             </a:r>
             <a:endParaRPr lang="pt-PT" dirty="0" smtClean="0"/>
-          </a:p>
-          <a:p>
-            <a:pPr lvl="1"/>
-            <a:r>
-              <a:rPr lang="pt-PT" dirty="0" smtClean="0"/>
-              <a:t>Q</a:t>
-            </a:r>
-            <a:r>
-              <a:rPr lang="pt-PT" sz="1600" dirty="0" smtClean="0"/>
-              <a:t>1</a:t>
-            </a:r>
-            <a:r>
-              <a:rPr lang="pt-PT" dirty="0" smtClean="0"/>
-              <a:t> = Q</a:t>
-            </a:r>
-            <a:r>
-              <a:rPr lang="pt-PT" sz="1600" dirty="0" smtClean="0"/>
-              <a:t>0</a:t>
-            </a:r>
-            <a:endParaRPr lang="pt-PT" dirty="0"/>
           </a:p>
         </p:txBody>
       </p:sp>
